--- a/Slides.pptx
+++ b/Slides.pptx
@@ -2,19 +2,25 @@
 <file path=ppt/presentation.xml><?xml version="1.0" encoding="utf-8"?>
 <p:presentation xmlns:a="http://schemas.openxmlformats.org/drawingml/2006/main" xmlns:r="http://schemas.openxmlformats.org/officeDocument/2006/relationships" xmlns:p="http://schemas.openxmlformats.org/presentationml/2006/main" saveSubsetFonts="1">
   <p:sldMasterIdLst>
-    <p:sldMasterId id="2147483677" r:id="rId1"/>
+    <p:sldMasterId id="2147483689" r:id="rId1"/>
   </p:sldMasterIdLst>
   <p:sldIdLst>
     <p:sldId id="256" r:id="rId2"/>
     <p:sldId id="257" r:id="rId3"/>
+    <p:sldId id="261" r:id="rId4"/>
+    <p:sldId id="258" r:id="rId5"/>
+    <p:sldId id="262" r:id="rId6"/>
+    <p:sldId id="263" r:id="rId7"/>
+    <p:sldId id="264" r:id="rId8"/>
+    <p:sldId id="265" r:id="rId9"/>
   </p:sldIdLst>
-  <p:sldSz cx="12192000" cy="6858000"/>
+  <p:sldSz cx="9144000" cy="6858000" type="screen4x3"/>
   <p:notesSz cx="6858000" cy="9144000"/>
   <p:defaultTextStyle>
     <a:defPPr>
       <a:defRPr lang="en-US"/>
     </a:defPPr>
-    <a:lvl1pPr marL="0" algn="l" defTabSz="914400" rtl="0" eaLnBrk="1" latinLnBrk="0" hangingPunct="1">
+    <a:lvl1pPr marL="0" algn="l" defTabSz="457200" rtl="0" eaLnBrk="1" latinLnBrk="0" hangingPunct="1">
       <a:defRPr sz="1800" kern="1200">
         <a:solidFill>
           <a:schemeClr val="tx1"/>
@@ -24,7 +30,7 @@
         <a:cs typeface="+mn-cs"/>
       </a:defRPr>
     </a:lvl1pPr>
-    <a:lvl2pPr marL="457200" algn="l" defTabSz="914400" rtl="0" eaLnBrk="1" latinLnBrk="0" hangingPunct="1">
+    <a:lvl2pPr marL="457200" algn="l" defTabSz="457200" rtl="0" eaLnBrk="1" latinLnBrk="0" hangingPunct="1">
       <a:defRPr sz="1800" kern="1200">
         <a:solidFill>
           <a:schemeClr val="tx1"/>
@@ -34,7 +40,7 @@
         <a:cs typeface="+mn-cs"/>
       </a:defRPr>
     </a:lvl2pPr>
-    <a:lvl3pPr marL="914400" algn="l" defTabSz="914400" rtl="0" eaLnBrk="1" latinLnBrk="0" hangingPunct="1">
+    <a:lvl3pPr marL="914400" algn="l" defTabSz="457200" rtl="0" eaLnBrk="1" latinLnBrk="0" hangingPunct="1">
       <a:defRPr sz="1800" kern="1200">
         <a:solidFill>
           <a:schemeClr val="tx1"/>
@@ -44,7 +50,7 @@
         <a:cs typeface="+mn-cs"/>
       </a:defRPr>
     </a:lvl3pPr>
-    <a:lvl4pPr marL="1371600" algn="l" defTabSz="914400" rtl="0" eaLnBrk="1" latinLnBrk="0" hangingPunct="1">
+    <a:lvl4pPr marL="1371600" algn="l" defTabSz="457200" rtl="0" eaLnBrk="1" latinLnBrk="0" hangingPunct="1">
       <a:defRPr sz="1800" kern="1200">
         <a:solidFill>
           <a:schemeClr val="tx1"/>
@@ -54,7 +60,7 @@
         <a:cs typeface="+mn-cs"/>
       </a:defRPr>
     </a:lvl4pPr>
-    <a:lvl5pPr marL="1828800" algn="l" defTabSz="914400" rtl="0" eaLnBrk="1" latinLnBrk="0" hangingPunct="1">
+    <a:lvl5pPr marL="1828800" algn="l" defTabSz="457200" rtl="0" eaLnBrk="1" latinLnBrk="0" hangingPunct="1">
       <a:defRPr sz="1800" kern="1200">
         <a:solidFill>
           <a:schemeClr val="tx1"/>
@@ -64,7 +70,7 @@
         <a:cs typeface="+mn-cs"/>
       </a:defRPr>
     </a:lvl5pPr>
-    <a:lvl6pPr marL="2286000" algn="l" defTabSz="914400" rtl="0" eaLnBrk="1" latinLnBrk="0" hangingPunct="1">
+    <a:lvl6pPr marL="2286000" algn="l" defTabSz="457200" rtl="0" eaLnBrk="1" latinLnBrk="0" hangingPunct="1">
       <a:defRPr sz="1800" kern="1200">
         <a:solidFill>
           <a:schemeClr val="tx1"/>
@@ -74,7 +80,7 @@
         <a:cs typeface="+mn-cs"/>
       </a:defRPr>
     </a:lvl6pPr>
-    <a:lvl7pPr marL="2743200" algn="l" defTabSz="914400" rtl="0" eaLnBrk="1" latinLnBrk="0" hangingPunct="1">
+    <a:lvl7pPr marL="2743200" algn="l" defTabSz="457200" rtl="0" eaLnBrk="1" latinLnBrk="0" hangingPunct="1">
       <a:defRPr sz="1800" kern="1200">
         <a:solidFill>
           <a:schemeClr val="tx1"/>
@@ -84,7 +90,7 @@
         <a:cs typeface="+mn-cs"/>
       </a:defRPr>
     </a:lvl7pPr>
-    <a:lvl8pPr marL="3200400" algn="l" defTabSz="914400" rtl="0" eaLnBrk="1" latinLnBrk="0" hangingPunct="1">
+    <a:lvl8pPr marL="3200400" algn="l" defTabSz="457200" rtl="0" eaLnBrk="1" latinLnBrk="0" hangingPunct="1">
       <a:defRPr sz="1800" kern="1200">
         <a:solidFill>
           <a:schemeClr val="tx1"/>
@@ -94,7 +100,7 @@
         <a:cs typeface="+mn-cs"/>
       </a:defRPr>
     </a:lvl8pPr>
-    <a:lvl9pPr marL="3657600" algn="l" defTabSz="914400" rtl="0" eaLnBrk="1" latinLnBrk="0" hangingPunct="1">
+    <a:lvl9pPr marL="3657600" algn="l" defTabSz="457200" rtl="0" eaLnBrk="1" latinLnBrk="0" hangingPunct="1">
       <a:defRPr sz="1800" kern="1200">
         <a:solidFill>
           <a:schemeClr val="tx1"/>
@@ -105,7 +111,24 @@
       </a:defRPr>
     </a:lvl9pPr>
   </p:defaultTextStyle>
+  <p:extLst>
+    <p:ext uri="{EFAFB233-063F-42B5-8137-9DF3F51BA10A}">
+      <p15:sldGuideLst xmlns:p15="http://schemas.microsoft.com/office/powerpoint/2012/main"/>
+    </p:ext>
+  </p:extLst>
 </p:presentation>
+</file>
+
+<file path=ppt/commentAuthors.xml><?xml version="1.0" encoding="utf-8"?>
+<p:cmAuthorLst xmlns:a="http://schemas.openxmlformats.org/drawingml/2006/main" xmlns:r="http://schemas.openxmlformats.org/officeDocument/2006/relationships" xmlns:p="http://schemas.openxmlformats.org/presentationml/2006/main">
+  <p:cmAuthor id="1" name="Burak Tan" initials="BT" lastIdx="1" clrIdx="0">
+    <p:extLst>
+      <p:ext uri="{19B8F6BF-5375-455C-9EA6-DF929625EA0E}">
+        <p15:presenceInfo xmlns:p15="http://schemas.microsoft.com/office/powerpoint/2012/main" userId="017c6eb1edb825dd" providerId="Windows Live"/>
+      </p:ext>
+    </p:extLst>
+  </p:cmAuthor>
+</p:cmAuthorLst>
 </file>
 
 <file path=ppt/slideLayouts/slideLayout1.xml><?xml version="1.0" encoding="utf-8"?>
@@ -127,13 +150,7 @@
       </p:grpSpPr>
       <p:sp>
         <p:nvSpPr>
-          <p:cNvPr id="2" name="Title 1">
-            <a:extLst>
-              <a:ext uri="{FF2B5EF4-FFF2-40B4-BE49-F238E27FC236}">
-                <a16:creationId xmlns:a16="http://schemas.microsoft.com/office/drawing/2014/main" id="{84810FEE-182E-4216-BFEC-D09BD4B3D59A}"/>
-              </a:ext>
-            </a:extLst>
-          </p:cNvPr>
+          <p:cNvPr id="2" name="Title 1"/>
           <p:cNvSpPr>
             <a:spLocks noGrp="1"/>
           </p:cNvSpPr>
@@ -143,8 +160,8 @@
         </p:nvSpPr>
         <p:spPr>
           <a:xfrm>
-            <a:off x="1524000" y="1122363"/>
-            <a:ext cx="9144000" cy="2387600"/>
+            <a:off x="685800" y="1122363"/>
+            <a:ext cx="7772400" cy="2387600"/>
           </a:xfrm>
         </p:spPr>
         <p:txBody>
@@ -159,18 +176,13 @@
               <a:rPr lang="en-US"/>
               <a:t>Click to edit Master title style</a:t>
             </a:r>
-          </a:p>
-        </p:txBody>
-      </p:sp>
-      <p:sp>
-        <p:nvSpPr>
-          <p:cNvPr id="3" name="Subtitle 2">
-            <a:extLst>
-              <a:ext uri="{FF2B5EF4-FFF2-40B4-BE49-F238E27FC236}">
-                <a16:creationId xmlns:a16="http://schemas.microsoft.com/office/drawing/2014/main" id="{54A11C80-5108-42C9-BCE6-F55C58038FB1}"/>
-              </a:ext>
-            </a:extLst>
-          </p:cNvPr>
+            <a:endParaRPr lang="en-US" dirty="0"/>
+          </a:p>
+        </p:txBody>
+      </p:sp>
+      <p:sp>
+        <p:nvSpPr>
+          <p:cNvPr id="3" name="Subtitle 2"/>
           <p:cNvSpPr>
             <a:spLocks noGrp="1"/>
           </p:cNvSpPr>
@@ -180,8 +192,8 @@
         </p:nvSpPr>
         <p:spPr>
           <a:xfrm>
-            <a:off x="1524000" y="3602038"/>
-            <a:ext cx="9144000" cy="1655762"/>
+            <a:off x="1143000" y="3602038"/>
+            <a:ext cx="6858000" cy="1655762"/>
           </a:xfrm>
         </p:spPr>
         <p:txBody>
@@ -229,18 +241,13 @@
               <a:rPr lang="en-US"/>
               <a:t>Click to edit Master subtitle style</a:t>
             </a:r>
-          </a:p>
-        </p:txBody>
-      </p:sp>
-      <p:sp>
-        <p:nvSpPr>
-          <p:cNvPr id="4" name="Date Placeholder 3">
-            <a:extLst>
-              <a:ext uri="{FF2B5EF4-FFF2-40B4-BE49-F238E27FC236}">
-                <a16:creationId xmlns:a16="http://schemas.microsoft.com/office/drawing/2014/main" id="{3CFFCB14-0EE2-40E1-B09D-C3829CEFED6B}"/>
-              </a:ext>
-            </a:extLst>
-          </p:cNvPr>
+            <a:endParaRPr lang="en-US" dirty="0"/>
+          </a:p>
+        </p:txBody>
+      </p:sp>
+      <p:sp>
+        <p:nvSpPr>
+          <p:cNvPr id="4" name="Date Placeholder 3"/>
           <p:cNvSpPr>
             <a:spLocks noGrp="1"/>
           </p:cNvSpPr>
@@ -263,13 +270,7 @@
       </p:sp>
       <p:sp>
         <p:nvSpPr>
-          <p:cNvPr id="5" name="Footer Placeholder 4">
-            <a:extLst>
-              <a:ext uri="{FF2B5EF4-FFF2-40B4-BE49-F238E27FC236}">
-                <a16:creationId xmlns:a16="http://schemas.microsoft.com/office/drawing/2014/main" id="{0CEDB47A-DAC4-4EE0-AC71-D2776A4BE59C}"/>
-              </a:ext>
-            </a:extLst>
-          </p:cNvPr>
+          <p:cNvPr id="5" name="Footer Placeholder 4"/>
           <p:cNvSpPr>
             <a:spLocks noGrp="1"/>
           </p:cNvSpPr>
@@ -288,13 +289,7 @@
       </p:sp>
       <p:sp>
         <p:nvSpPr>
-          <p:cNvPr id="6" name="Slide Number Placeholder 5">
-            <a:extLst>
-              <a:ext uri="{FF2B5EF4-FFF2-40B4-BE49-F238E27FC236}">
-                <a16:creationId xmlns:a16="http://schemas.microsoft.com/office/drawing/2014/main" id="{E616C753-8B36-47BF-9CBB-97CDBCABEE77}"/>
-              </a:ext>
-            </a:extLst>
-          </p:cNvPr>
+          <p:cNvPr id="6" name="Slide Number Placeholder 5"/>
           <p:cNvSpPr>
             <a:spLocks noGrp="1"/>
           </p:cNvSpPr>
@@ -318,7 +313,7 @@
     </p:spTree>
     <p:extLst>
       <p:ext uri="{BB962C8B-B14F-4D97-AF65-F5344CB8AC3E}">
-        <p14:creationId xmlns:p14="http://schemas.microsoft.com/office/powerpoint/2010/main" val="3298214171"/>
+        <p14:creationId xmlns:p14="http://schemas.microsoft.com/office/powerpoint/2010/main" val="3322607482"/>
       </p:ext>
     </p:extLst>
   </p:cSld>
@@ -347,13 +342,7 @@
       </p:grpSpPr>
       <p:sp>
         <p:nvSpPr>
-          <p:cNvPr id="2" name="Title 1">
-            <a:extLst>
-              <a:ext uri="{FF2B5EF4-FFF2-40B4-BE49-F238E27FC236}">
-                <a16:creationId xmlns:a16="http://schemas.microsoft.com/office/drawing/2014/main" id="{2DFD6ED7-839F-4026-8B5E-E5A1B2EF6BD6}"/>
-              </a:ext>
-            </a:extLst>
-          </p:cNvPr>
+          <p:cNvPr id="2" name="Title 1"/>
           <p:cNvSpPr>
             <a:spLocks noGrp="1"/>
           </p:cNvSpPr>
@@ -370,18 +359,13 @@
               <a:rPr lang="en-US"/>
               <a:t>Click to edit Master title style</a:t>
             </a:r>
-          </a:p>
-        </p:txBody>
-      </p:sp>
-      <p:sp>
-        <p:nvSpPr>
-          <p:cNvPr id="3" name="Vertical Text Placeholder 2">
-            <a:extLst>
-              <a:ext uri="{FF2B5EF4-FFF2-40B4-BE49-F238E27FC236}">
-                <a16:creationId xmlns:a16="http://schemas.microsoft.com/office/drawing/2014/main" id="{4E63CB9B-5A93-42B6-82BC-BB82093F73D5}"/>
-              </a:ext>
-            </a:extLst>
-          </p:cNvPr>
+            <a:endParaRPr lang="en-US" dirty="0"/>
+          </a:p>
+        </p:txBody>
+      </p:sp>
+      <p:sp>
+        <p:nvSpPr>
+          <p:cNvPr id="3" name="Vertical Text Placeholder 2"/>
           <p:cNvSpPr>
             <a:spLocks noGrp="1"/>
           </p:cNvSpPr>
@@ -427,18 +411,13 @@
               <a:rPr lang="en-US"/>
               <a:t>Fifth level</a:t>
             </a:r>
-          </a:p>
-        </p:txBody>
-      </p:sp>
-      <p:sp>
-        <p:nvSpPr>
-          <p:cNvPr id="4" name="Date Placeholder 3">
-            <a:extLst>
-              <a:ext uri="{FF2B5EF4-FFF2-40B4-BE49-F238E27FC236}">
-                <a16:creationId xmlns:a16="http://schemas.microsoft.com/office/drawing/2014/main" id="{04CCEB2A-DFD3-46A6-B253-3E1F8FCA5566}"/>
-              </a:ext>
-            </a:extLst>
-          </p:cNvPr>
+            <a:endParaRPr lang="en-US" dirty="0"/>
+          </a:p>
+        </p:txBody>
+      </p:sp>
+      <p:sp>
+        <p:nvSpPr>
+          <p:cNvPr id="4" name="Date Placeholder 3"/>
           <p:cNvSpPr>
             <a:spLocks noGrp="1"/>
           </p:cNvSpPr>
@@ -461,13 +440,7 @@
       </p:sp>
       <p:sp>
         <p:nvSpPr>
-          <p:cNvPr id="5" name="Footer Placeholder 4">
-            <a:extLst>
-              <a:ext uri="{FF2B5EF4-FFF2-40B4-BE49-F238E27FC236}">
-                <a16:creationId xmlns:a16="http://schemas.microsoft.com/office/drawing/2014/main" id="{553CA0D4-90C7-43EE-9CB5-7D3172F45146}"/>
-              </a:ext>
-            </a:extLst>
-          </p:cNvPr>
+          <p:cNvPr id="5" name="Footer Placeholder 4"/>
           <p:cNvSpPr>
             <a:spLocks noGrp="1"/>
           </p:cNvSpPr>
@@ -486,13 +459,7 @@
       </p:sp>
       <p:sp>
         <p:nvSpPr>
-          <p:cNvPr id="6" name="Slide Number Placeholder 5">
-            <a:extLst>
-              <a:ext uri="{FF2B5EF4-FFF2-40B4-BE49-F238E27FC236}">
-                <a16:creationId xmlns:a16="http://schemas.microsoft.com/office/drawing/2014/main" id="{81972994-36A4-4DDC-A9BC-43EB2478C818}"/>
-              </a:ext>
-            </a:extLst>
-          </p:cNvPr>
+          <p:cNvPr id="6" name="Slide Number Placeholder 5"/>
           <p:cNvSpPr>
             <a:spLocks noGrp="1"/>
           </p:cNvSpPr>
@@ -516,7 +483,7 @@
     </p:spTree>
     <p:extLst>
       <p:ext uri="{BB962C8B-B14F-4D97-AF65-F5344CB8AC3E}">
-        <p14:creationId xmlns:p14="http://schemas.microsoft.com/office/powerpoint/2010/main" val="3294484665"/>
+        <p14:creationId xmlns:p14="http://schemas.microsoft.com/office/powerpoint/2010/main" val="188812449"/>
       </p:ext>
     </p:extLst>
   </p:cSld>
@@ -545,13 +512,7 @@
       </p:grpSpPr>
       <p:sp>
         <p:nvSpPr>
-          <p:cNvPr id="2" name="Vertical Title 1">
-            <a:extLst>
-              <a:ext uri="{FF2B5EF4-FFF2-40B4-BE49-F238E27FC236}">
-                <a16:creationId xmlns:a16="http://schemas.microsoft.com/office/drawing/2014/main" id="{9F53C6C8-897C-4967-8B65-B53F7CF98D32}"/>
-              </a:ext>
-            </a:extLst>
-          </p:cNvPr>
+          <p:cNvPr id="2" name="Vertical Title 1"/>
           <p:cNvSpPr>
             <a:spLocks noGrp="1"/>
           </p:cNvSpPr>
@@ -561,8 +522,8 @@
         </p:nvSpPr>
         <p:spPr>
           <a:xfrm>
-            <a:off x="8724900" y="365125"/>
-            <a:ext cx="2628900" cy="5811838"/>
+            <a:off x="6543675" y="365125"/>
+            <a:ext cx="1971675" cy="5811838"/>
           </a:xfrm>
         </p:spPr>
         <p:txBody>
@@ -573,18 +534,13 @@
               <a:rPr lang="en-US"/>
               <a:t>Click to edit Master title style</a:t>
             </a:r>
-          </a:p>
-        </p:txBody>
-      </p:sp>
-      <p:sp>
-        <p:nvSpPr>
-          <p:cNvPr id="3" name="Vertical Text Placeholder 2">
-            <a:extLst>
-              <a:ext uri="{FF2B5EF4-FFF2-40B4-BE49-F238E27FC236}">
-                <a16:creationId xmlns:a16="http://schemas.microsoft.com/office/drawing/2014/main" id="{C0B6BE49-64F4-4402-A24D-F74E1C8D2FCF}"/>
-              </a:ext>
-            </a:extLst>
-          </p:cNvPr>
+            <a:endParaRPr lang="en-US" dirty="0"/>
+          </a:p>
+        </p:txBody>
+      </p:sp>
+      <p:sp>
+        <p:nvSpPr>
+          <p:cNvPr id="3" name="Vertical Text Placeholder 2"/>
           <p:cNvSpPr>
             <a:spLocks noGrp="1"/>
           </p:cNvSpPr>
@@ -594,8 +550,8 @@
         </p:nvSpPr>
         <p:spPr>
           <a:xfrm>
-            <a:off x="838200" y="365125"/>
-            <a:ext cx="7734300" cy="5811838"/>
+            <a:off x="628650" y="365125"/>
+            <a:ext cx="5800725" cy="5811838"/>
           </a:xfrm>
         </p:spPr>
         <p:txBody>
@@ -635,18 +591,13 @@
               <a:rPr lang="en-US"/>
               <a:t>Fifth level</a:t>
             </a:r>
-          </a:p>
-        </p:txBody>
-      </p:sp>
-      <p:sp>
-        <p:nvSpPr>
-          <p:cNvPr id="4" name="Date Placeholder 3">
-            <a:extLst>
-              <a:ext uri="{FF2B5EF4-FFF2-40B4-BE49-F238E27FC236}">
-                <a16:creationId xmlns:a16="http://schemas.microsoft.com/office/drawing/2014/main" id="{890C85AE-75F0-4E11-9A79-24212D351232}"/>
-              </a:ext>
-            </a:extLst>
-          </p:cNvPr>
+            <a:endParaRPr lang="en-US" dirty="0"/>
+          </a:p>
+        </p:txBody>
+      </p:sp>
+      <p:sp>
+        <p:nvSpPr>
+          <p:cNvPr id="4" name="Date Placeholder 3"/>
           <p:cNvSpPr>
             <a:spLocks noGrp="1"/>
           </p:cNvSpPr>
@@ -669,13 +620,7 @@
       </p:sp>
       <p:sp>
         <p:nvSpPr>
-          <p:cNvPr id="5" name="Footer Placeholder 4">
-            <a:extLst>
-              <a:ext uri="{FF2B5EF4-FFF2-40B4-BE49-F238E27FC236}">
-                <a16:creationId xmlns:a16="http://schemas.microsoft.com/office/drawing/2014/main" id="{F9C47A48-8933-40A9-AE9D-80D3F367D74C}"/>
-              </a:ext>
-            </a:extLst>
-          </p:cNvPr>
+          <p:cNvPr id="5" name="Footer Placeholder 4"/>
           <p:cNvSpPr>
             <a:spLocks noGrp="1"/>
           </p:cNvSpPr>
@@ -694,13 +639,7 @@
       </p:sp>
       <p:sp>
         <p:nvSpPr>
-          <p:cNvPr id="6" name="Slide Number Placeholder 5">
-            <a:extLst>
-              <a:ext uri="{FF2B5EF4-FFF2-40B4-BE49-F238E27FC236}">
-                <a16:creationId xmlns:a16="http://schemas.microsoft.com/office/drawing/2014/main" id="{636F3E3E-78C6-4A0E-AC90-66417AB8B1A0}"/>
-              </a:ext>
-            </a:extLst>
-          </p:cNvPr>
+          <p:cNvPr id="6" name="Slide Number Placeholder 5"/>
           <p:cNvSpPr>
             <a:spLocks noGrp="1"/>
           </p:cNvSpPr>
@@ -724,7 +663,7 @@
     </p:spTree>
     <p:extLst>
       <p:ext uri="{BB962C8B-B14F-4D97-AF65-F5344CB8AC3E}">
-        <p14:creationId xmlns:p14="http://schemas.microsoft.com/office/powerpoint/2010/main" val="3287521555"/>
+        <p14:creationId xmlns:p14="http://schemas.microsoft.com/office/powerpoint/2010/main" val="1775644442"/>
       </p:ext>
     </p:extLst>
   </p:cSld>
@@ -753,13 +692,7 @@
       </p:grpSpPr>
       <p:sp>
         <p:nvSpPr>
-          <p:cNvPr id="2" name="Title 1">
-            <a:extLst>
-              <a:ext uri="{FF2B5EF4-FFF2-40B4-BE49-F238E27FC236}">
-                <a16:creationId xmlns:a16="http://schemas.microsoft.com/office/drawing/2014/main" id="{365646FB-6D1F-4ABE-B175-00D8D0F16D8A}"/>
-              </a:ext>
-            </a:extLst>
-          </p:cNvPr>
+          <p:cNvPr id="2" name="Title 1"/>
           <p:cNvSpPr>
             <a:spLocks noGrp="1"/>
           </p:cNvSpPr>
@@ -776,18 +709,13 @@
               <a:rPr lang="en-US"/>
               <a:t>Click to edit Master title style</a:t>
             </a:r>
-          </a:p>
-        </p:txBody>
-      </p:sp>
-      <p:sp>
-        <p:nvSpPr>
-          <p:cNvPr id="3" name="Content Placeholder 2">
-            <a:extLst>
-              <a:ext uri="{FF2B5EF4-FFF2-40B4-BE49-F238E27FC236}">
-                <a16:creationId xmlns:a16="http://schemas.microsoft.com/office/drawing/2014/main" id="{D18B8298-5AE2-44DC-9A34-286C058A0D96}"/>
-              </a:ext>
-            </a:extLst>
-          </p:cNvPr>
+            <a:endParaRPr lang="en-US" dirty="0"/>
+          </a:p>
+        </p:txBody>
+      </p:sp>
+      <p:sp>
+        <p:nvSpPr>
+          <p:cNvPr id="3" name="Content Placeholder 2"/>
           <p:cNvSpPr>
             <a:spLocks noGrp="1"/>
           </p:cNvSpPr>
@@ -833,18 +761,13 @@
               <a:rPr lang="en-US"/>
               <a:t>Fifth level</a:t>
             </a:r>
-          </a:p>
-        </p:txBody>
-      </p:sp>
-      <p:sp>
-        <p:nvSpPr>
-          <p:cNvPr id="4" name="Date Placeholder 3">
-            <a:extLst>
-              <a:ext uri="{FF2B5EF4-FFF2-40B4-BE49-F238E27FC236}">
-                <a16:creationId xmlns:a16="http://schemas.microsoft.com/office/drawing/2014/main" id="{745A9F86-2A0F-47F8-9B21-80F8FEE16762}"/>
-              </a:ext>
-            </a:extLst>
-          </p:cNvPr>
+            <a:endParaRPr lang="en-US" dirty="0"/>
+          </a:p>
+        </p:txBody>
+      </p:sp>
+      <p:sp>
+        <p:nvSpPr>
+          <p:cNvPr id="4" name="Date Placeholder 3"/>
           <p:cNvSpPr>
             <a:spLocks noGrp="1"/>
           </p:cNvSpPr>
@@ -867,13 +790,7 @@
       </p:sp>
       <p:sp>
         <p:nvSpPr>
-          <p:cNvPr id="5" name="Footer Placeholder 4">
-            <a:extLst>
-              <a:ext uri="{FF2B5EF4-FFF2-40B4-BE49-F238E27FC236}">
-                <a16:creationId xmlns:a16="http://schemas.microsoft.com/office/drawing/2014/main" id="{6623DE65-7AA1-4343-8F27-13287AB83952}"/>
-              </a:ext>
-            </a:extLst>
-          </p:cNvPr>
+          <p:cNvPr id="5" name="Footer Placeholder 4"/>
           <p:cNvSpPr>
             <a:spLocks noGrp="1"/>
           </p:cNvSpPr>
@@ -892,13 +809,7 @@
       </p:sp>
       <p:sp>
         <p:nvSpPr>
-          <p:cNvPr id="6" name="Slide Number Placeholder 5">
-            <a:extLst>
-              <a:ext uri="{FF2B5EF4-FFF2-40B4-BE49-F238E27FC236}">
-                <a16:creationId xmlns:a16="http://schemas.microsoft.com/office/drawing/2014/main" id="{C71577F4-9377-4DE6-A197-518A3BC628DF}"/>
-              </a:ext>
-            </a:extLst>
-          </p:cNvPr>
+          <p:cNvPr id="6" name="Slide Number Placeholder 5"/>
           <p:cNvSpPr>
             <a:spLocks noGrp="1"/>
           </p:cNvSpPr>
@@ -922,7 +833,7 @@
     </p:spTree>
     <p:extLst>
       <p:ext uri="{BB962C8B-B14F-4D97-AF65-F5344CB8AC3E}">
-        <p14:creationId xmlns:p14="http://schemas.microsoft.com/office/powerpoint/2010/main" val="943682199"/>
+        <p14:creationId xmlns:p14="http://schemas.microsoft.com/office/powerpoint/2010/main" val="3253885557"/>
       </p:ext>
     </p:extLst>
   </p:cSld>
@@ -951,13 +862,7 @@
       </p:grpSpPr>
       <p:sp>
         <p:nvSpPr>
-          <p:cNvPr id="2" name="Title 1">
-            <a:extLst>
-              <a:ext uri="{FF2B5EF4-FFF2-40B4-BE49-F238E27FC236}">
-                <a16:creationId xmlns:a16="http://schemas.microsoft.com/office/drawing/2014/main" id="{D1E16A56-C1A0-4063-83C8-B2832BC026D7}"/>
-              </a:ext>
-            </a:extLst>
-          </p:cNvPr>
+          <p:cNvPr id="2" name="Title 1"/>
           <p:cNvSpPr>
             <a:spLocks noGrp="1"/>
           </p:cNvSpPr>
@@ -967,8 +872,8 @@
         </p:nvSpPr>
         <p:spPr>
           <a:xfrm>
-            <a:off x="831850" y="1709738"/>
-            <a:ext cx="10515600" cy="2852737"/>
+            <a:off x="623888" y="1709739"/>
+            <a:ext cx="7886700" cy="2852737"/>
           </a:xfrm>
         </p:spPr>
         <p:txBody>
@@ -983,18 +888,13 @@
               <a:rPr lang="en-US"/>
               <a:t>Click to edit Master title style</a:t>
             </a:r>
-          </a:p>
-        </p:txBody>
-      </p:sp>
-      <p:sp>
-        <p:nvSpPr>
-          <p:cNvPr id="3" name="Text Placeholder 2">
-            <a:extLst>
-              <a:ext uri="{FF2B5EF4-FFF2-40B4-BE49-F238E27FC236}">
-                <a16:creationId xmlns:a16="http://schemas.microsoft.com/office/drawing/2014/main" id="{71121C33-B8F7-468A-942F-F186107FD629}"/>
-              </a:ext>
-            </a:extLst>
-          </p:cNvPr>
+            <a:endParaRPr lang="en-US" dirty="0"/>
+          </a:p>
+        </p:txBody>
+      </p:sp>
+      <p:sp>
+        <p:nvSpPr>
+          <p:cNvPr id="3" name="Text Placeholder 2"/>
           <p:cNvSpPr>
             <a:spLocks noGrp="1"/>
           </p:cNvSpPr>
@@ -1004,8 +904,8 @@
         </p:nvSpPr>
         <p:spPr>
           <a:xfrm>
-            <a:off x="831850" y="4589463"/>
-            <a:ext cx="10515600" cy="1500187"/>
+            <a:off x="623888" y="4589464"/>
+            <a:ext cx="7886700" cy="1500187"/>
           </a:xfrm>
         </p:spPr>
         <p:txBody>
@@ -1015,9 +915,7 @@
               <a:buNone/>
               <a:defRPr sz="2400">
                 <a:solidFill>
-                  <a:schemeClr val="tx1">
-                    <a:tint val="75000"/>
-                  </a:schemeClr>
+                  <a:schemeClr val="tx1"/>
                 </a:solidFill>
               </a:defRPr>
             </a:lvl1pPr>
@@ -1113,13 +1011,7 @@
       </p:sp>
       <p:sp>
         <p:nvSpPr>
-          <p:cNvPr id="4" name="Date Placeholder 3">
-            <a:extLst>
-              <a:ext uri="{FF2B5EF4-FFF2-40B4-BE49-F238E27FC236}">
-                <a16:creationId xmlns:a16="http://schemas.microsoft.com/office/drawing/2014/main" id="{A8F615FA-9CE5-4B7A-876C-A31BF51B09BF}"/>
-              </a:ext>
-            </a:extLst>
-          </p:cNvPr>
+          <p:cNvPr id="4" name="Date Placeholder 3"/>
           <p:cNvSpPr>
             <a:spLocks noGrp="1"/>
           </p:cNvSpPr>
@@ -1142,13 +1034,7 @@
       </p:sp>
       <p:sp>
         <p:nvSpPr>
-          <p:cNvPr id="5" name="Footer Placeholder 4">
-            <a:extLst>
-              <a:ext uri="{FF2B5EF4-FFF2-40B4-BE49-F238E27FC236}">
-                <a16:creationId xmlns:a16="http://schemas.microsoft.com/office/drawing/2014/main" id="{FA17EBC6-33EE-4016-BCB1-69D5562FBC2C}"/>
-              </a:ext>
-            </a:extLst>
-          </p:cNvPr>
+          <p:cNvPr id="5" name="Footer Placeholder 4"/>
           <p:cNvSpPr>
             <a:spLocks noGrp="1"/>
           </p:cNvSpPr>
@@ -1167,13 +1053,7 @@
       </p:sp>
       <p:sp>
         <p:nvSpPr>
-          <p:cNvPr id="6" name="Slide Number Placeholder 5">
-            <a:extLst>
-              <a:ext uri="{FF2B5EF4-FFF2-40B4-BE49-F238E27FC236}">
-                <a16:creationId xmlns:a16="http://schemas.microsoft.com/office/drawing/2014/main" id="{4DDB2949-9565-465F-B34B-A837500C7E4A}"/>
-              </a:ext>
-            </a:extLst>
-          </p:cNvPr>
+          <p:cNvPr id="6" name="Slide Number Placeholder 5"/>
           <p:cNvSpPr>
             <a:spLocks noGrp="1"/>
           </p:cNvSpPr>
@@ -1197,7 +1077,7 @@
     </p:spTree>
     <p:extLst>
       <p:ext uri="{BB962C8B-B14F-4D97-AF65-F5344CB8AC3E}">
-        <p14:creationId xmlns:p14="http://schemas.microsoft.com/office/powerpoint/2010/main" val="1261190654"/>
+        <p14:creationId xmlns:p14="http://schemas.microsoft.com/office/powerpoint/2010/main" val="4143602320"/>
       </p:ext>
     </p:extLst>
   </p:cSld>
@@ -1226,13 +1106,7 @@
       </p:grpSpPr>
       <p:sp>
         <p:nvSpPr>
-          <p:cNvPr id="2" name="Title 1">
-            <a:extLst>
-              <a:ext uri="{FF2B5EF4-FFF2-40B4-BE49-F238E27FC236}">
-                <a16:creationId xmlns:a16="http://schemas.microsoft.com/office/drawing/2014/main" id="{2B18D23F-993B-4653-B8D3-7274C0BCE3E2}"/>
-              </a:ext>
-            </a:extLst>
-          </p:cNvPr>
+          <p:cNvPr id="2" name="Title 1"/>
           <p:cNvSpPr>
             <a:spLocks noGrp="1"/>
           </p:cNvSpPr>
@@ -1249,18 +1123,13 @@
               <a:rPr lang="en-US"/>
               <a:t>Click to edit Master title style</a:t>
             </a:r>
-          </a:p>
-        </p:txBody>
-      </p:sp>
-      <p:sp>
-        <p:nvSpPr>
-          <p:cNvPr id="3" name="Content Placeholder 2">
-            <a:extLst>
-              <a:ext uri="{FF2B5EF4-FFF2-40B4-BE49-F238E27FC236}">
-                <a16:creationId xmlns:a16="http://schemas.microsoft.com/office/drawing/2014/main" id="{99CD675E-957B-450D-9054-0CFA63CBB9BD}"/>
-              </a:ext>
-            </a:extLst>
-          </p:cNvPr>
+            <a:endParaRPr lang="en-US" dirty="0"/>
+          </a:p>
+        </p:txBody>
+      </p:sp>
+      <p:sp>
+        <p:nvSpPr>
+          <p:cNvPr id="3" name="Content Placeholder 2"/>
           <p:cNvSpPr>
             <a:spLocks noGrp="1"/>
           </p:cNvSpPr>
@@ -1270,8 +1139,8 @@
         </p:nvSpPr>
         <p:spPr>
           <a:xfrm>
-            <a:off x="838200" y="1825625"/>
-            <a:ext cx="5181600" cy="4351338"/>
+            <a:off x="628650" y="1825625"/>
+            <a:ext cx="3886200" cy="4351338"/>
           </a:xfrm>
         </p:spPr>
         <p:txBody>
@@ -1311,18 +1180,13 @@
               <a:rPr lang="en-US"/>
               <a:t>Fifth level</a:t>
             </a:r>
-          </a:p>
-        </p:txBody>
-      </p:sp>
-      <p:sp>
-        <p:nvSpPr>
-          <p:cNvPr id="4" name="Content Placeholder 3">
-            <a:extLst>
-              <a:ext uri="{FF2B5EF4-FFF2-40B4-BE49-F238E27FC236}">
-                <a16:creationId xmlns:a16="http://schemas.microsoft.com/office/drawing/2014/main" id="{4783E32C-7969-487B-8F6B-39B5C0AF8E91}"/>
-              </a:ext>
-            </a:extLst>
-          </p:cNvPr>
+            <a:endParaRPr lang="en-US" dirty="0"/>
+          </a:p>
+        </p:txBody>
+      </p:sp>
+      <p:sp>
+        <p:nvSpPr>
+          <p:cNvPr id="4" name="Content Placeholder 3"/>
           <p:cNvSpPr>
             <a:spLocks noGrp="1"/>
           </p:cNvSpPr>
@@ -1332,8 +1196,8 @@
         </p:nvSpPr>
         <p:spPr>
           <a:xfrm>
-            <a:off x="6172200" y="1825625"/>
-            <a:ext cx="5181600" cy="4351338"/>
+            <a:off x="4629150" y="1825625"/>
+            <a:ext cx="3886200" cy="4351338"/>
           </a:xfrm>
         </p:spPr>
         <p:txBody>
@@ -1373,18 +1237,13 @@
               <a:rPr lang="en-US"/>
               <a:t>Fifth level</a:t>
             </a:r>
-          </a:p>
-        </p:txBody>
-      </p:sp>
-      <p:sp>
-        <p:nvSpPr>
-          <p:cNvPr id="5" name="Date Placeholder 4">
-            <a:extLst>
-              <a:ext uri="{FF2B5EF4-FFF2-40B4-BE49-F238E27FC236}">
-                <a16:creationId xmlns:a16="http://schemas.microsoft.com/office/drawing/2014/main" id="{73DF6D07-A383-46FF-81D2-9096F4D99EDC}"/>
-              </a:ext>
-            </a:extLst>
-          </p:cNvPr>
+            <a:endParaRPr lang="en-US" dirty="0"/>
+          </a:p>
+        </p:txBody>
+      </p:sp>
+      <p:sp>
+        <p:nvSpPr>
+          <p:cNvPr id="5" name="Date Placeholder 4"/>
           <p:cNvSpPr>
             <a:spLocks noGrp="1"/>
           </p:cNvSpPr>
@@ -1407,13 +1266,7 @@
       </p:sp>
       <p:sp>
         <p:nvSpPr>
-          <p:cNvPr id="6" name="Footer Placeholder 5">
-            <a:extLst>
-              <a:ext uri="{FF2B5EF4-FFF2-40B4-BE49-F238E27FC236}">
-                <a16:creationId xmlns:a16="http://schemas.microsoft.com/office/drawing/2014/main" id="{4D9FDF9D-C7C3-4812-A375-3FCB92F6F28C}"/>
-              </a:ext>
-            </a:extLst>
-          </p:cNvPr>
+          <p:cNvPr id="6" name="Footer Placeholder 5"/>
           <p:cNvSpPr>
             <a:spLocks noGrp="1"/>
           </p:cNvSpPr>
@@ -1432,13 +1285,7 @@
       </p:sp>
       <p:sp>
         <p:nvSpPr>
-          <p:cNvPr id="7" name="Slide Number Placeholder 6">
-            <a:extLst>
-              <a:ext uri="{FF2B5EF4-FFF2-40B4-BE49-F238E27FC236}">
-                <a16:creationId xmlns:a16="http://schemas.microsoft.com/office/drawing/2014/main" id="{B39C6D14-F6BB-4DF1-B960-20D00D0A1EB8}"/>
-              </a:ext>
-            </a:extLst>
-          </p:cNvPr>
+          <p:cNvPr id="7" name="Slide Number Placeholder 6"/>
           <p:cNvSpPr>
             <a:spLocks noGrp="1"/>
           </p:cNvSpPr>
@@ -1462,7 +1309,7 @@
     </p:spTree>
     <p:extLst>
       <p:ext uri="{BB962C8B-B14F-4D97-AF65-F5344CB8AC3E}">
-        <p14:creationId xmlns:p14="http://schemas.microsoft.com/office/powerpoint/2010/main" val="3126400594"/>
+        <p14:creationId xmlns:p14="http://schemas.microsoft.com/office/powerpoint/2010/main" val="707817926"/>
       </p:ext>
     </p:extLst>
   </p:cSld>
@@ -1491,13 +1338,7 @@
       </p:grpSpPr>
       <p:sp>
         <p:nvSpPr>
-          <p:cNvPr id="2" name="Title 1">
-            <a:extLst>
-              <a:ext uri="{FF2B5EF4-FFF2-40B4-BE49-F238E27FC236}">
-                <a16:creationId xmlns:a16="http://schemas.microsoft.com/office/drawing/2014/main" id="{AF97AE20-FD6C-4E7C-8E6C-540DC0830AF4}"/>
-              </a:ext>
-            </a:extLst>
-          </p:cNvPr>
+          <p:cNvPr id="2" name="Title 1"/>
           <p:cNvSpPr>
             <a:spLocks noGrp="1"/>
           </p:cNvSpPr>
@@ -1507,8 +1348,8 @@
         </p:nvSpPr>
         <p:spPr>
           <a:xfrm>
-            <a:off x="839788" y="365125"/>
-            <a:ext cx="10515600" cy="1325563"/>
+            <a:off x="629841" y="365126"/>
+            <a:ext cx="7886700" cy="1325563"/>
           </a:xfrm>
         </p:spPr>
         <p:txBody>
@@ -1519,18 +1360,13 @@
               <a:rPr lang="en-US"/>
               <a:t>Click to edit Master title style</a:t>
             </a:r>
-          </a:p>
-        </p:txBody>
-      </p:sp>
-      <p:sp>
-        <p:nvSpPr>
-          <p:cNvPr id="3" name="Text Placeholder 2">
-            <a:extLst>
-              <a:ext uri="{FF2B5EF4-FFF2-40B4-BE49-F238E27FC236}">
-                <a16:creationId xmlns:a16="http://schemas.microsoft.com/office/drawing/2014/main" id="{B38DDA67-5CAA-44B2-91F8-07596342BB74}"/>
-              </a:ext>
-            </a:extLst>
-          </p:cNvPr>
+            <a:endParaRPr lang="en-US" dirty="0"/>
+          </a:p>
+        </p:txBody>
+      </p:sp>
+      <p:sp>
+        <p:nvSpPr>
+          <p:cNvPr id="3" name="Text Placeholder 2"/>
           <p:cNvSpPr>
             <a:spLocks noGrp="1"/>
           </p:cNvSpPr>
@@ -1540,8 +1376,8 @@
         </p:nvSpPr>
         <p:spPr>
           <a:xfrm>
-            <a:off x="839788" y="1681163"/>
-            <a:ext cx="5157787" cy="823912"/>
+            <a:off x="629842" y="1681163"/>
+            <a:ext cx="3868340" cy="823912"/>
           </a:xfrm>
         </p:spPr>
         <p:txBody>
@@ -1595,13 +1431,7 @@
       </p:sp>
       <p:sp>
         <p:nvSpPr>
-          <p:cNvPr id="4" name="Content Placeholder 3">
-            <a:extLst>
-              <a:ext uri="{FF2B5EF4-FFF2-40B4-BE49-F238E27FC236}">
-                <a16:creationId xmlns:a16="http://schemas.microsoft.com/office/drawing/2014/main" id="{675C6D23-21C0-4D4D-A158-AB28424FBA2E}"/>
-              </a:ext>
-            </a:extLst>
-          </p:cNvPr>
+          <p:cNvPr id="4" name="Content Placeholder 3"/>
           <p:cNvSpPr>
             <a:spLocks noGrp="1"/>
           </p:cNvSpPr>
@@ -1611,8 +1441,8 @@
         </p:nvSpPr>
         <p:spPr>
           <a:xfrm>
-            <a:off x="839788" y="2505075"/>
-            <a:ext cx="5157787" cy="3684588"/>
+            <a:off x="629842" y="2505075"/>
+            <a:ext cx="3868340" cy="3684588"/>
           </a:xfrm>
         </p:spPr>
         <p:txBody>
@@ -1652,18 +1482,13 @@
               <a:rPr lang="en-US"/>
               <a:t>Fifth level</a:t>
             </a:r>
-          </a:p>
-        </p:txBody>
-      </p:sp>
-      <p:sp>
-        <p:nvSpPr>
-          <p:cNvPr id="5" name="Text Placeholder 4">
-            <a:extLst>
-              <a:ext uri="{FF2B5EF4-FFF2-40B4-BE49-F238E27FC236}">
-                <a16:creationId xmlns:a16="http://schemas.microsoft.com/office/drawing/2014/main" id="{C56D7C39-987C-4D16-B3EA-5B3E6104C757}"/>
-              </a:ext>
-            </a:extLst>
-          </p:cNvPr>
+            <a:endParaRPr lang="en-US" dirty="0"/>
+          </a:p>
+        </p:txBody>
+      </p:sp>
+      <p:sp>
+        <p:nvSpPr>
+          <p:cNvPr id="5" name="Text Placeholder 4"/>
           <p:cNvSpPr>
             <a:spLocks noGrp="1"/>
           </p:cNvSpPr>
@@ -1673,8 +1498,8 @@
         </p:nvSpPr>
         <p:spPr>
           <a:xfrm>
-            <a:off x="6172200" y="1681163"/>
-            <a:ext cx="5183188" cy="823912"/>
+            <a:off x="4629150" y="1681163"/>
+            <a:ext cx="3887391" cy="823912"/>
           </a:xfrm>
         </p:spPr>
         <p:txBody>
@@ -1728,13 +1553,7 @@
       </p:sp>
       <p:sp>
         <p:nvSpPr>
-          <p:cNvPr id="6" name="Content Placeholder 5">
-            <a:extLst>
-              <a:ext uri="{FF2B5EF4-FFF2-40B4-BE49-F238E27FC236}">
-                <a16:creationId xmlns:a16="http://schemas.microsoft.com/office/drawing/2014/main" id="{19CAAA8A-C452-4547-A570-53ED44D0A0E6}"/>
-              </a:ext>
-            </a:extLst>
-          </p:cNvPr>
+          <p:cNvPr id="6" name="Content Placeholder 5"/>
           <p:cNvSpPr>
             <a:spLocks noGrp="1"/>
           </p:cNvSpPr>
@@ -1744,8 +1563,8 @@
         </p:nvSpPr>
         <p:spPr>
           <a:xfrm>
-            <a:off x="6172200" y="2505075"/>
-            <a:ext cx="5183188" cy="3684588"/>
+            <a:off x="4629150" y="2505075"/>
+            <a:ext cx="3887391" cy="3684588"/>
           </a:xfrm>
         </p:spPr>
         <p:txBody>
@@ -1785,18 +1604,13 @@
               <a:rPr lang="en-US"/>
               <a:t>Fifth level</a:t>
             </a:r>
-          </a:p>
-        </p:txBody>
-      </p:sp>
-      <p:sp>
-        <p:nvSpPr>
-          <p:cNvPr id="7" name="Date Placeholder 6">
-            <a:extLst>
-              <a:ext uri="{FF2B5EF4-FFF2-40B4-BE49-F238E27FC236}">
-                <a16:creationId xmlns:a16="http://schemas.microsoft.com/office/drawing/2014/main" id="{037C39F6-897B-45C0-8312-0CEF176D5D48}"/>
-              </a:ext>
-            </a:extLst>
-          </p:cNvPr>
+            <a:endParaRPr lang="en-US" dirty="0"/>
+          </a:p>
+        </p:txBody>
+      </p:sp>
+      <p:sp>
+        <p:nvSpPr>
+          <p:cNvPr id="7" name="Date Placeholder 6"/>
           <p:cNvSpPr>
             <a:spLocks noGrp="1"/>
           </p:cNvSpPr>
@@ -1819,13 +1633,7 @@
       </p:sp>
       <p:sp>
         <p:nvSpPr>
-          <p:cNvPr id="8" name="Footer Placeholder 7">
-            <a:extLst>
-              <a:ext uri="{FF2B5EF4-FFF2-40B4-BE49-F238E27FC236}">
-                <a16:creationId xmlns:a16="http://schemas.microsoft.com/office/drawing/2014/main" id="{4349A8A3-E278-450D-BA45-E431B0F0499A}"/>
-              </a:ext>
-            </a:extLst>
-          </p:cNvPr>
+          <p:cNvPr id="8" name="Footer Placeholder 7"/>
           <p:cNvSpPr>
             <a:spLocks noGrp="1"/>
           </p:cNvSpPr>
@@ -1844,13 +1652,7 @@
       </p:sp>
       <p:sp>
         <p:nvSpPr>
-          <p:cNvPr id="9" name="Slide Number Placeholder 8">
-            <a:extLst>
-              <a:ext uri="{FF2B5EF4-FFF2-40B4-BE49-F238E27FC236}">
-                <a16:creationId xmlns:a16="http://schemas.microsoft.com/office/drawing/2014/main" id="{719AFA12-D049-48E9-B1A2-3707D2FB0226}"/>
-              </a:ext>
-            </a:extLst>
-          </p:cNvPr>
+          <p:cNvPr id="9" name="Slide Number Placeholder 8"/>
           <p:cNvSpPr>
             <a:spLocks noGrp="1"/>
           </p:cNvSpPr>
@@ -1874,7 +1676,7 @@
     </p:spTree>
     <p:extLst>
       <p:ext uri="{BB962C8B-B14F-4D97-AF65-F5344CB8AC3E}">
-        <p14:creationId xmlns:p14="http://schemas.microsoft.com/office/powerpoint/2010/main" val="934454793"/>
+        <p14:creationId xmlns:p14="http://schemas.microsoft.com/office/powerpoint/2010/main" val="4289979833"/>
       </p:ext>
     </p:extLst>
   </p:cSld>
@@ -1903,13 +1705,7 @@
       </p:grpSpPr>
       <p:sp>
         <p:nvSpPr>
-          <p:cNvPr id="2" name="Title 1">
-            <a:extLst>
-              <a:ext uri="{FF2B5EF4-FFF2-40B4-BE49-F238E27FC236}">
-                <a16:creationId xmlns:a16="http://schemas.microsoft.com/office/drawing/2014/main" id="{6F3A8501-7CF2-42BA-A285-34594F85E9C1}"/>
-              </a:ext>
-            </a:extLst>
-          </p:cNvPr>
+          <p:cNvPr id="2" name="Title 1"/>
           <p:cNvSpPr>
             <a:spLocks noGrp="1"/>
           </p:cNvSpPr>
@@ -1926,18 +1722,13 @@
               <a:rPr lang="en-US"/>
               <a:t>Click to edit Master title style</a:t>
             </a:r>
-          </a:p>
-        </p:txBody>
-      </p:sp>
-      <p:sp>
-        <p:nvSpPr>
-          <p:cNvPr id="3" name="Date Placeholder 2">
-            <a:extLst>
-              <a:ext uri="{FF2B5EF4-FFF2-40B4-BE49-F238E27FC236}">
-                <a16:creationId xmlns:a16="http://schemas.microsoft.com/office/drawing/2014/main" id="{4AC0A52C-95CC-45E3-BCB1-85DEB174E15C}"/>
-              </a:ext>
-            </a:extLst>
-          </p:cNvPr>
+            <a:endParaRPr lang="en-US" dirty="0"/>
+          </a:p>
+        </p:txBody>
+      </p:sp>
+      <p:sp>
+        <p:nvSpPr>
+          <p:cNvPr id="3" name="Date Placeholder 2"/>
           <p:cNvSpPr>
             <a:spLocks noGrp="1"/>
           </p:cNvSpPr>
@@ -1960,13 +1751,7 @@
       </p:sp>
       <p:sp>
         <p:nvSpPr>
-          <p:cNvPr id="4" name="Footer Placeholder 3">
-            <a:extLst>
-              <a:ext uri="{FF2B5EF4-FFF2-40B4-BE49-F238E27FC236}">
-                <a16:creationId xmlns:a16="http://schemas.microsoft.com/office/drawing/2014/main" id="{F5BC589D-8ABB-4A9E-A682-0588882628BF}"/>
-              </a:ext>
-            </a:extLst>
-          </p:cNvPr>
+          <p:cNvPr id="4" name="Footer Placeholder 3"/>
           <p:cNvSpPr>
             <a:spLocks noGrp="1"/>
           </p:cNvSpPr>
@@ -1985,13 +1770,7 @@
       </p:sp>
       <p:sp>
         <p:nvSpPr>
-          <p:cNvPr id="5" name="Slide Number Placeholder 4">
-            <a:extLst>
-              <a:ext uri="{FF2B5EF4-FFF2-40B4-BE49-F238E27FC236}">
-                <a16:creationId xmlns:a16="http://schemas.microsoft.com/office/drawing/2014/main" id="{6C28F16B-65D7-4BBE-A7D3-B31987AD03C7}"/>
-              </a:ext>
-            </a:extLst>
-          </p:cNvPr>
+          <p:cNvPr id="5" name="Slide Number Placeholder 4"/>
           <p:cNvSpPr>
             <a:spLocks noGrp="1"/>
           </p:cNvSpPr>
@@ -2015,7 +1794,7 @@
     </p:spTree>
     <p:extLst>
       <p:ext uri="{BB962C8B-B14F-4D97-AF65-F5344CB8AC3E}">
-        <p14:creationId xmlns:p14="http://schemas.microsoft.com/office/powerpoint/2010/main" val="559000815"/>
+        <p14:creationId xmlns:p14="http://schemas.microsoft.com/office/powerpoint/2010/main" val="3843936191"/>
       </p:ext>
     </p:extLst>
   </p:cSld>
@@ -2044,13 +1823,7 @@
       </p:grpSpPr>
       <p:sp>
         <p:nvSpPr>
-          <p:cNvPr id="2" name="Date Placeholder 1">
-            <a:extLst>
-              <a:ext uri="{FF2B5EF4-FFF2-40B4-BE49-F238E27FC236}">
-                <a16:creationId xmlns:a16="http://schemas.microsoft.com/office/drawing/2014/main" id="{7972C00D-5F06-46E0-9AED-C139131F699E}"/>
-              </a:ext>
-            </a:extLst>
-          </p:cNvPr>
+          <p:cNvPr id="2" name="Date Placeholder 1"/>
           <p:cNvSpPr>
             <a:spLocks noGrp="1"/>
           </p:cNvSpPr>
@@ -2073,13 +1846,7 @@
       </p:sp>
       <p:sp>
         <p:nvSpPr>
-          <p:cNvPr id="3" name="Footer Placeholder 2">
-            <a:extLst>
-              <a:ext uri="{FF2B5EF4-FFF2-40B4-BE49-F238E27FC236}">
-                <a16:creationId xmlns:a16="http://schemas.microsoft.com/office/drawing/2014/main" id="{B3F6C8AD-7F01-4EB2-A00C-1D9540E44A47}"/>
-              </a:ext>
-            </a:extLst>
-          </p:cNvPr>
+          <p:cNvPr id="3" name="Footer Placeholder 2"/>
           <p:cNvSpPr>
             <a:spLocks noGrp="1"/>
           </p:cNvSpPr>
@@ -2098,13 +1865,7 @@
       </p:sp>
       <p:sp>
         <p:nvSpPr>
-          <p:cNvPr id="4" name="Slide Number Placeholder 3">
-            <a:extLst>
-              <a:ext uri="{FF2B5EF4-FFF2-40B4-BE49-F238E27FC236}">
-                <a16:creationId xmlns:a16="http://schemas.microsoft.com/office/drawing/2014/main" id="{9B2D7591-0809-4B54-8EBE-0885F2FAD9B4}"/>
-              </a:ext>
-            </a:extLst>
-          </p:cNvPr>
+          <p:cNvPr id="4" name="Slide Number Placeholder 3"/>
           <p:cNvSpPr>
             <a:spLocks noGrp="1"/>
           </p:cNvSpPr>
@@ -2128,7 +1889,7 @@
     </p:spTree>
     <p:extLst>
       <p:ext uri="{BB962C8B-B14F-4D97-AF65-F5344CB8AC3E}">
-        <p14:creationId xmlns:p14="http://schemas.microsoft.com/office/powerpoint/2010/main" val="148903045"/>
+        <p14:creationId xmlns:p14="http://schemas.microsoft.com/office/powerpoint/2010/main" val="1557903470"/>
       </p:ext>
     </p:extLst>
   </p:cSld>
@@ -2157,13 +1918,7 @@
       </p:grpSpPr>
       <p:sp>
         <p:nvSpPr>
-          <p:cNvPr id="2" name="Title 1">
-            <a:extLst>
-              <a:ext uri="{FF2B5EF4-FFF2-40B4-BE49-F238E27FC236}">
-                <a16:creationId xmlns:a16="http://schemas.microsoft.com/office/drawing/2014/main" id="{0F862D13-2404-438C-8553-062EABD4DDDE}"/>
-              </a:ext>
-            </a:extLst>
-          </p:cNvPr>
+          <p:cNvPr id="2" name="Title 1"/>
           <p:cNvSpPr>
             <a:spLocks noGrp="1"/>
           </p:cNvSpPr>
@@ -2173,8 +1928,8 @@
         </p:nvSpPr>
         <p:spPr>
           <a:xfrm>
-            <a:off x="839788" y="457200"/>
-            <a:ext cx="3932237" cy="1600200"/>
+            <a:off x="629841" y="457200"/>
+            <a:ext cx="2949178" cy="1600200"/>
           </a:xfrm>
         </p:spPr>
         <p:txBody>
@@ -2189,18 +1944,13 @@
               <a:rPr lang="en-US"/>
               <a:t>Click to edit Master title style</a:t>
             </a:r>
-          </a:p>
-        </p:txBody>
-      </p:sp>
-      <p:sp>
-        <p:nvSpPr>
-          <p:cNvPr id="3" name="Content Placeholder 2">
-            <a:extLst>
-              <a:ext uri="{FF2B5EF4-FFF2-40B4-BE49-F238E27FC236}">
-                <a16:creationId xmlns:a16="http://schemas.microsoft.com/office/drawing/2014/main" id="{EB0AEDF3-AD5E-4F40-8747-2BB50838FC33}"/>
-              </a:ext>
-            </a:extLst>
-          </p:cNvPr>
+            <a:endParaRPr lang="en-US" dirty="0"/>
+          </a:p>
+        </p:txBody>
+      </p:sp>
+      <p:sp>
+        <p:nvSpPr>
+          <p:cNvPr id="3" name="Content Placeholder 2"/>
           <p:cNvSpPr>
             <a:spLocks noGrp="1"/>
           </p:cNvSpPr>
@@ -2210,8 +1960,8 @@
         </p:nvSpPr>
         <p:spPr>
           <a:xfrm>
-            <a:off x="5183188" y="987425"/>
-            <a:ext cx="6172200" cy="4873625"/>
+            <a:off x="3887391" y="987426"/>
+            <a:ext cx="4629150" cy="4873625"/>
           </a:xfrm>
         </p:spPr>
         <p:txBody>
@@ -2279,18 +2029,13 @@
               <a:rPr lang="en-US"/>
               <a:t>Fifth level</a:t>
             </a:r>
-          </a:p>
-        </p:txBody>
-      </p:sp>
-      <p:sp>
-        <p:nvSpPr>
-          <p:cNvPr id="4" name="Text Placeholder 3">
-            <a:extLst>
-              <a:ext uri="{FF2B5EF4-FFF2-40B4-BE49-F238E27FC236}">
-                <a16:creationId xmlns:a16="http://schemas.microsoft.com/office/drawing/2014/main" id="{E18D4F90-1238-469B-9758-A0D9ED063271}"/>
-              </a:ext>
-            </a:extLst>
-          </p:cNvPr>
+            <a:endParaRPr lang="en-US" dirty="0"/>
+          </a:p>
+        </p:txBody>
+      </p:sp>
+      <p:sp>
+        <p:nvSpPr>
+          <p:cNvPr id="4" name="Text Placeholder 3"/>
           <p:cNvSpPr>
             <a:spLocks noGrp="1"/>
           </p:cNvSpPr>
@@ -2300,8 +2045,8 @@
         </p:nvSpPr>
         <p:spPr>
           <a:xfrm>
-            <a:off x="839788" y="2057400"/>
-            <a:ext cx="3932237" cy="3811588"/>
+            <a:off x="629841" y="2057400"/>
+            <a:ext cx="2949178" cy="3811588"/>
           </a:xfrm>
         </p:spPr>
         <p:txBody>
@@ -2355,13 +2100,7 @@
       </p:sp>
       <p:sp>
         <p:nvSpPr>
-          <p:cNvPr id="5" name="Date Placeholder 4">
-            <a:extLst>
-              <a:ext uri="{FF2B5EF4-FFF2-40B4-BE49-F238E27FC236}">
-                <a16:creationId xmlns:a16="http://schemas.microsoft.com/office/drawing/2014/main" id="{19B01308-0F35-4BB7-8CBD-8600B0328D2F}"/>
-              </a:ext>
-            </a:extLst>
-          </p:cNvPr>
+          <p:cNvPr id="5" name="Date Placeholder 4"/>
           <p:cNvSpPr>
             <a:spLocks noGrp="1"/>
           </p:cNvSpPr>
@@ -2384,13 +2123,7 @@
       </p:sp>
       <p:sp>
         <p:nvSpPr>
-          <p:cNvPr id="6" name="Footer Placeholder 5">
-            <a:extLst>
-              <a:ext uri="{FF2B5EF4-FFF2-40B4-BE49-F238E27FC236}">
-                <a16:creationId xmlns:a16="http://schemas.microsoft.com/office/drawing/2014/main" id="{75F508FA-47C0-46B1-8A07-604B24019716}"/>
-              </a:ext>
-            </a:extLst>
-          </p:cNvPr>
+          <p:cNvPr id="6" name="Footer Placeholder 5"/>
           <p:cNvSpPr>
             <a:spLocks noGrp="1"/>
           </p:cNvSpPr>
@@ -2409,13 +2142,7 @@
       </p:sp>
       <p:sp>
         <p:nvSpPr>
-          <p:cNvPr id="7" name="Slide Number Placeholder 6">
-            <a:extLst>
-              <a:ext uri="{FF2B5EF4-FFF2-40B4-BE49-F238E27FC236}">
-                <a16:creationId xmlns:a16="http://schemas.microsoft.com/office/drawing/2014/main" id="{5FD022FD-71C9-4917-A09B-4DC39EE67A3B}"/>
-              </a:ext>
-            </a:extLst>
-          </p:cNvPr>
+          <p:cNvPr id="7" name="Slide Number Placeholder 6"/>
           <p:cNvSpPr>
             <a:spLocks noGrp="1"/>
           </p:cNvSpPr>
@@ -2439,7 +2166,7 @@
     </p:spTree>
     <p:extLst>
       <p:ext uri="{BB962C8B-B14F-4D97-AF65-F5344CB8AC3E}">
-        <p14:creationId xmlns:p14="http://schemas.microsoft.com/office/powerpoint/2010/main" val="3956795532"/>
+        <p14:creationId xmlns:p14="http://schemas.microsoft.com/office/powerpoint/2010/main" val="4279706796"/>
       </p:ext>
     </p:extLst>
   </p:cSld>
@@ -2468,13 +2195,7 @@
       </p:grpSpPr>
       <p:sp>
         <p:nvSpPr>
-          <p:cNvPr id="2" name="Title 1">
-            <a:extLst>
-              <a:ext uri="{FF2B5EF4-FFF2-40B4-BE49-F238E27FC236}">
-                <a16:creationId xmlns:a16="http://schemas.microsoft.com/office/drawing/2014/main" id="{1B489CC6-7F7F-4773-A9E7-F9B07CBA2392}"/>
-              </a:ext>
-            </a:extLst>
-          </p:cNvPr>
+          <p:cNvPr id="2" name="Title 1"/>
           <p:cNvSpPr>
             <a:spLocks noGrp="1"/>
           </p:cNvSpPr>
@@ -2484,8 +2205,8 @@
         </p:nvSpPr>
         <p:spPr>
           <a:xfrm>
-            <a:off x="839788" y="457200"/>
-            <a:ext cx="3932237" cy="1600200"/>
+            <a:off x="629841" y="457200"/>
+            <a:ext cx="2949178" cy="1600200"/>
           </a:xfrm>
         </p:spPr>
         <p:txBody>
@@ -2500,20 +2221,15 @@
               <a:rPr lang="en-US"/>
               <a:t>Click to edit Master title style</a:t>
             </a:r>
-          </a:p>
-        </p:txBody>
-      </p:sp>
-      <p:sp>
-        <p:nvSpPr>
-          <p:cNvPr id="3" name="Picture Placeholder 2">
-            <a:extLst>
-              <a:ext uri="{FF2B5EF4-FFF2-40B4-BE49-F238E27FC236}">
-                <a16:creationId xmlns:a16="http://schemas.microsoft.com/office/drawing/2014/main" id="{C62FD2CD-934B-4FAC-82B5-3AD1C621CE88}"/>
-              </a:ext>
-            </a:extLst>
-          </p:cNvPr>
-          <p:cNvSpPr>
-            <a:spLocks noGrp="1"/>
+            <a:endParaRPr lang="en-US" dirty="0"/>
+          </a:p>
+        </p:txBody>
+      </p:sp>
+      <p:sp>
+        <p:nvSpPr>
+          <p:cNvPr id="3" name="Picture Placeholder 2"/>
+          <p:cNvSpPr>
+            <a:spLocks noGrp="1" noChangeAspect="1"/>
           </p:cNvSpPr>
           <p:nvPr>
             <p:ph type="pic" idx="1"/>
@@ -2521,8 +2237,73 @@
         </p:nvSpPr>
         <p:spPr>
           <a:xfrm>
-            <a:off x="5183188" y="987425"/>
-            <a:ext cx="6172200" cy="4873625"/>
+            <a:off x="3887391" y="987426"/>
+            <a:ext cx="4629150" cy="4873625"/>
+          </a:xfrm>
+        </p:spPr>
+        <p:txBody>
+          <a:bodyPr anchor="t"/>
+          <a:lstStyle>
+            <a:lvl1pPr marL="0" indent="0">
+              <a:buNone/>
+              <a:defRPr sz="3200"/>
+            </a:lvl1pPr>
+            <a:lvl2pPr marL="457200" indent="0">
+              <a:buNone/>
+              <a:defRPr sz="2800"/>
+            </a:lvl2pPr>
+            <a:lvl3pPr marL="914400" indent="0">
+              <a:buNone/>
+              <a:defRPr sz="2400"/>
+            </a:lvl3pPr>
+            <a:lvl4pPr marL="1371600" indent="0">
+              <a:buNone/>
+              <a:defRPr sz="2000"/>
+            </a:lvl4pPr>
+            <a:lvl5pPr marL="1828800" indent="0">
+              <a:buNone/>
+              <a:defRPr sz="2000"/>
+            </a:lvl5pPr>
+            <a:lvl6pPr marL="2286000" indent="0">
+              <a:buNone/>
+              <a:defRPr sz="2000"/>
+            </a:lvl6pPr>
+            <a:lvl7pPr marL="2743200" indent="0">
+              <a:buNone/>
+              <a:defRPr sz="2000"/>
+            </a:lvl7pPr>
+            <a:lvl8pPr marL="3200400" indent="0">
+              <a:buNone/>
+              <a:defRPr sz="2000"/>
+            </a:lvl8pPr>
+            <a:lvl9pPr marL="3657600" indent="0">
+              <a:buNone/>
+              <a:defRPr sz="2000"/>
+            </a:lvl9pPr>
+          </a:lstStyle>
+          <a:p>
+            <a:r>
+              <a:rPr lang="en-US"/>
+              <a:t>Click icon to add picture</a:t>
+            </a:r>
+            <a:endParaRPr lang="en-US" dirty="0"/>
+          </a:p>
+        </p:txBody>
+      </p:sp>
+      <p:sp>
+        <p:nvSpPr>
+          <p:cNvPr id="4" name="Text Placeholder 3"/>
+          <p:cNvSpPr>
+            <a:spLocks noGrp="1"/>
+          </p:cNvSpPr>
+          <p:nvPr>
+            <p:ph type="body" sz="half" idx="2"/>
+          </p:nvPr>
+        </p:nvSpPr>
+        <p:spPr>
+          <a:xfrm>
+            <a:off x="629841" y="2057400"/>
+            <a:ext cx="2949178" cy="3811588"/>
           </a:xfrm>
         </p:spPr>
         <p:txBody>
@@ -2530,73 +2311,6 @@
           <a:lstStyle>
             <a:lvl1pPr marL="0" indent="0">
               <a:buNone/>
-              <a:defRPr sz="3200"/>
-            </a:lvl1pPr>
-            <a:lvl2pPr marL="457200" indent="0">
-              <a:buNone/>
-              <a:defRPr sz="2800"/>
-            </a:lvl2pPr>
-            <a:lvl3pPr marL="914400" indent="0">
-              <a:buNone/>
-              <a:defRPr sz="2400"/>
-            </a:lvl3pPr>
-            <a:lvl4pPr marL="1371600" indent="0">
-              <a:buNone/>
-              <a:defRPr sz="2000"/>
-            </a:lvl4pPr>
-            <a:lvl5pPr marL="1828800" indent="0">
-              <a:buNone/>
-              <a:defRPr sz="2000"/>
-            </a:lvl5pPr>
-            <a:lvl6pPr marL="2286000" indent="0">
-              <a:buNone/>
-              <a:defRPr sz="2000"/>
-            </a:lvl6pPr>
-            <a:lvl7pPr marL="2743200" indent="0">
-              <a:buNone/>
-              <a:defRPr sz="2000"/>
-            </a:lvl7pPr>
-            <a:lvl8pPr marL="3200400" indent="0">
-              <a:buNone/>
-              <a:defRPr sz="2000"/>
-            </a:lvl8pPr>
-            <a:lvl9pPr marL="3657600" indent="0">
-              <a:buNone/>
-              <a:defRPr sz="2000"/>
-            </a:lvl9pPr>
-          </a:lstStyle>
-          <a:p>
-            <a:endParaRPr lang="en-US"/>
-          </a:p>
-        </p:txBody>
-      </p:sp>
-      <p:sp>
-        <p:nvSpPr>
-          <p:cNvPr id="4" name="Text Placeholder 3">
-            <a:extLst>
-              <a:ext uri="{FF2B5EF4-FFF2-40B4-BE49-F238E27FC236}">
-                <a16:creationId xmlns:a16="http://schemas.microsoft.com/office/drawing/2014/main" id="{F300A094-3E59-4632-AC20-4D9EF950C139}"/>
-              </a:ext>
-            </a:extLst>
-          </p:cNvPr>
-          <p:cNvSpPr>
-            <a:spLocks noGrp="1"/>
-          </p:cNvSpPr>
-          <p:nvPr>
-            <p:ph type="body" sz="half" idx="2"/>
-          </p:nvPr>
-        </p:nvSpPr>
-        <p:spPr>
-          <a:xfrm>
-            <a:off x="839788" y="2057400"/>
-            <a:ext cx="3932237" cy="3811588"/>
-          </a:xfrm>
-        </p:spPr>
-        <p:txBody>
-          <a:bodyPr/>
-          <a:lstStyle>
-            <a:lvl1pPr marL="0" indent="0">
-              <a:buNone/>
               <a:defRPr sz="1600"/>
             </a:lvl1pPr>
             <a:lvl2pPr marL="457200" indent="0">
@@ -2643,13 +2357,7 @@
       </p:sp>
       <p:sp>
         <p:nvSpPr>
-          <p:cNvPr id="5" name="Date Placeholder 4">
-            <a:extLst>
-              <a:ext uri="{FF2B5EF4-FFF2-40B4-BE49-F238E27FC236}">
-                <a16:creationId xmlns:a16="http://schemas.microsoft.com/office/drawing/2014/main" id="{C735AAD0-66E1-4742-A895-20E50ECFB21E}"/>
-              </a:ext>
-            </a:extLst>
-          </p:cNvPr>
+          <p:cNvPr id="5" name="Date Placeholder 4"/>
           <p:cNvSpPr>
             <a:spLocks noGrp="1"/>
           </p:cNvSpPr>
@@ -2672,13 +2380,7 @@
       </p:sp>
       <p:sp>
         <p:nvSpPr>
-          <p:cNvPr id="6" name="Footer Placeholder 5">
-            <a:extLst>
-              <a:ext uri="{FF2B5EF4-FFF2-40B4-BE49-F238E27FC236}">
-                <a16:creationId xmlns:a16="http://schemas.microsoft.com/office/drawing/2014/main" id="{E83BF1BE-49B9-4A82-BF6C-6CE4B3FC1D9A}"/>
-              </a:ext>
-            </a:extLst>
-          </p:cNvPr>
+          <p:cNvPr id="6" name="Footer Placeholder 5"/>
           <p:cNvSpPr>
             <a:spLocks noGrp="1"/>
           </p:cNvSpPr>
@@ -2697,13 +2399,7 @@
       </p:sp>
       <p:sp>
         <p:nvSpPr>
-          <p:cNvPr id="7" name="Slide Number Placeholder 6">
-            <a:extLst>
-              <a:ext uri="{FF2B5EF4-FFF2-40B4-BE49-F238E27FC236}">
-                <a16:creationId xmlns:a16="http://schemas.microsoft.com/office/drawing/2014/main" id="{1D25DE4D-9E87-4857-9278-CB5C725DA0E0}"/>
-              </a:ext>
-            </a:extLst>
-          </p:cNvPr>
+          <p:cNvPr id="7" name="Slide Number Placeholder 6"/>
           <p:cNvSpPr>
             <a:spLocks noGrp="1"/>
           </p:cNvSpPr>
@@ -2727,7 +2423,7 @@
     </p:spTree>
     <p:extLst>
       <p:ext uri="{BB962C8B-B14F-4D97-AF65-F5344CB8AC3E}">
-        <p14:creationId xmlns:p14="http://schemas.microsoft.com/office/powerpoint/2010/main" val="3342246861"/>
+        <p14:creationId xmlns:p14="http://schemas.microsoft.com/office/powerpoint/2010/main" val="40900812"/>
       </p:ext>
     </p:extLst>
   </p:cSld>
@@ -2761,13 +2457,7 @@
       </p:grpSpPr>
       <p:sp>
         <p:nvSpPr>
-          <p:cNvPr id="2" name="Title Placeholder 1">
-            <a:extLst>
-              <a:ext uri="{FF2B5EF4-FFF2-40B4-BE49-F238E27FC236}">
-                <a16:creationId xmlns:a16="http://schemas.microsoft.com/office/drawing/2014/main" id="{B4D0FC75-A9D0-4867-A25F-9E1224D8FF30}"/>
-              </a:ext>
-            </a:extLst>
-          </p:cNvPr>
+          <p:cNvPr id="2" name="Title Placeholder 1"/>
           <p:cNvSpPr>
             <a:spLocks noGrp="1"/>
           </p:cNvSpPr>
@@ -2777,8 +2467,8 @@
         </p:nvSpPr>
         <p:spPr>
           <a:xfrm>
-            <a:off x="838200" y="365125"/>
-            <a:ext cx="10515600" cy="1325563"/>
+            <a:off x="628650" y="365126"/>
+            <a:ext cx="7886700" cy="1325563"/>
           </a:xfrm>
           <a:prstGeom prst="rect">
             <a:avLst/>
@@ -2794,18 +2484,13 @@
               <a:rPr lang="en-US"/>
               <a:t>Click to edit Master title style</a:t>
             </a:r>
-          </a:p>
-        </p:txBody>
-      </p:sp>
-      <p:sp>
-        <p:nvSpPr>
-          <p:cNvPr id="3" name="Text Placeholder 2">
-            <a:extLst>
-              <a:ext uri="{FF2B5EF4-FFF2-40B4-BE49-F238E27FC236}">
-                <a16:creationId xmlns:a16="http://schemas.microsoft.com/office/drawing/2014/main" id="{A475B64A-1CF1-4B93-961D-377FF477CA38}"/>
-              </a:ext>
-            </a:extLst>
-          </p:cNvPr>
+            <a:endParaRPr lang="en-US" dirty="0"/>
+          </a:p>
+        </p:txBody>
+      </p:sp>
+      <p:sp>
+        <p:nvSpPr>
+          <p:cNvPr id="3" name="Text Placeholder 2"/>
           <p:cNvSpPr>
             <a:spLocks noGrp="1"/>
           </p:cNvSpPr>
@@ -2815,8 +2500,8 @@
         </p:nvSpPr>
         <p:spPr>
           <a:xfrm>
-            <a:off x="838200" y="1825625"/>
-            <a:ext cx="10515600" cy="4351338"/>
+            <a:off x="628650" y="1825625"/>
+            <a:ext cx="7886700" cy="4351338"/>
           </a:xfrm>
           <a:prstGeom prst="rect">
             <a:avLst/>
@@ -2861,18 +2546,13 @@
               <a:rPr lang="en-US"/>
               <a:t>Fifth level</a:t>
             </a:r>
-          </a:p>
-        </p:txBody>
-      </p:sp>
-      <p:sp>
-        <p:nvSpPr>
-          <p:cNvPr id="4" name="Date Placeholder 3">
-            <a:extLst>
-              <a:ext uri="{FF2B5EF4-FFF2-40B4-BE49-F238E27FC236}">
-                <a16:creationId xmlns:a16="http://schemas.microsoft.com/office/drawing/2014/main" id="{311A6976-A5F4-467F-A01E-812B4ECBD66F}"/>
-              </a:ext>
-            </a:extLst>
-          </p:cNvPr>
+            <a:endParaRPr lang="en-US" dirty="0"/>
+          </a:p>
+        </p:txBody>
+      </p:sp>
+      <p:sp>
+        <p:nvSpPr>
+          <p:cNvPr id="4" name="Date Placeholder 3"/>
           <p:cNvSpPr>
             <a:spLocks noGrp="1"/>
           </p:cNvSpPr>
@@ -2882,8 +2562,8 @@
         </p:nvSpPr>
         <p:spPr>
           <a:xfrm>
-            <a:off x="838200" y="6356350"/>
-            <a:ext cx="2743200" cy="365125"/>
+            <a:off x="628650" y="6356351"/>
+            <a:ext cx="2057400" cy="365125"/>
           </a:xfrm>
           <a:prstGeom prst="rect">
             <a:avLst/>
@@ -2913,13 +2593,7 @@
       </p:sp>
       <p:sp>
         <p:nvSpPr>
-          <p:cNvPr id="5" name="Footer Placeholder 4">
-            <a:extLst>
-              <a:ext uri="{FF2B5EF4-FFF2-40B4-BE49-F238E27FC236}">
-                <a16:creationId xmlns:a16="http://schemas.microsoft.com/office/drawing/2014/main" id="{E0641BDC-0B83-4B57-B939-349F9C84166B}"/>
-              </a:ext>
-            </a:extLst>
-          </p:cNvPr>
+          <p:cNvPr id="5" name="Footer Placeholder 4"/>
           <p:cNvSpPr>
             <a:spLocks noGrp="1"/>
           </p:cNvSpPr>
@@ -2929,8 +2603,8 @@
         </p:nvSpPr>
         <p:spPr>
           <a:xfrm>
-            <a:off x="4038600" y="6356350"/>
-            <a:ext cx="4114800" cy="365125"/>
+            <a:off x="3028950" y="6356351"/>
+            <a:ext cx="3086100" cy="365125"/>
           </a:xfrm>
           <a:prstGeom prst="rect">
             <a:avLst/>
@@ -2956,13 +2630,7 @@
       </p:sp>
       <p:sp>
         <p:nvSpPr>
-          <p:cNvPr id="6" name="Slide Number Placeholder 5">
-            <a:extLst>
-              <a:ext uri="{FF2B5EF4-FFF2-40B4-BE49-F238E27FC236}">
-                <a16:creationId xmlns:a16="http://schemas.microsoft.com/office/drawing/2014/main" id="{CA3A98C5-A120-4512-B2F1-A3A84C39AF63}"/>
-              </a:ext>
-            </a:extLst>
-          </p:cNvPr>
+          <p:cNvPr id="6" name="Slide Number Placeholder 5"/>
           <p:cNvSpPr>
             <a:spLocks noGrp="1"/>
           </p:cNvSpPr>
@@ -2972,8 +2640,8 @@
         </p:nvSpPr>
         <p:spPr>
           <a:xfrm>
-            <a:off x="8610600" y="6356350"/>
-            <a:ext cx="2743200" cy="365125"/>
+            <a:off x="6457950" y="6356351"/>
+            <a:ext cx="2057400" cy="365125"/>
           </a:xfrm>
           <a:prstGeom prst="rect">
             <a:avLst/>
@@ -3004,23 +2672,23 @@
     </p:spTree>
     <p:extLst>
       <p:ext uri="{BB962C8B-B14F-4D97-AF65-F5344CB8AC3E}">
-        <p14:creationId xmlns:p14="http://schemas.microsoft.com/office/powerpoint/2010/main" val="2305542150"/>
+        <p14:creationId xmlns:p14="http://schemas.microsoft.com/office/powerpoint/2010/main" val="706144583"/>
       </p:ext>
     </p:extLst>
   </p:cSld>
   <p:clrMap bg1="lt1" tx1="dk1" bg2="lt2" tx2="dk2" accent1="accent1" accent2="accent2" accent3="accent3" accent4="accent4" accent5="accent5" accent6="accent6" hlink="hlink" folHlink="folHlink"/>
   <p:sldLayoutIdLst>
-    <p:sldLayoutId id="2147483678" r:id="rId1"/>
-    <p:sldLayoutId id="2147483679" r:id="rId2"/>
-    <p:sldLayoutId id="2147483680" r:id="rId3"/>
-    <p:sldLayoutId id="2147483681" r:id="rId4"/>
-    <p:sldLayoutId id="2147483682" r:id="rId5"/>
-    <p:sldLayoutId id="2147483683" r:id="rId6"/>
-    <p:sldLayoutId id="2147483684" r:id="rId7"/>
-    <p:sldLayoutId id="2147483685" r:id="rId8"/>
-    <p:sldLayoutId id="2147483686" r:id="rId9"/>
-    <p:sldLayoutId id="2147483687" r:id="rId10"/>
-    <p:sldLayoutId id="2147483688" r:id="rId11"/>
+    <p:sldLayoutId id="2147483690" r:id="rId1"/>
+    <p:sldLayoutId id="2147483691" r:id="rId2"/>
+    <p:sldLayoutId id="2147483692" r:id="rId3"/>
+    <p:sldLayoutId id="2147483693" r:id="rId4"/>
+    <p:sldLayoutId id="2147483694" r:id="rId5"/>
+    <p:sldLayoutId id="2147483695" r:id="rId6"/>
+    <p:sldLayoutId id="2147483696" r:id="rId7"/>
+    <p:sldLayoutId id="2147483697" r:id="rId8"/>
+    <p:sldLayoutId id="2147483698" r:id="rId9"/>
+    <p:sldLayoutId id="2147483699" r:id="rId10"/>
+    <p:sldLayoutId id="2147483700" r:id="rId11"/>
   </p:sldLayoutIdLst>
   <p:txStyles>
     <p:titleStyle>
@@ -3338,12 +3006,66 @@
             <p:ph type="ctrTitle"/>
           </p:nvPr>
         </p:nvSpPr>
-        <p:spPr/>
-        <p:txBody>
-          <a:bodyPr/>
-          <a:lstStyle/>
-          <a:p>
-            <a:endParaRPr lang="en-US" dirty="0"/>
+        <p:spPr>
+          <a:xfrm>
+            <a:off x="0" y="1122363"/>
+            <a:ext cx="9144000" cy="1927743"/>
+          </a:xfrm>
+        </p:spPr>
+        <p:txBody>
+          <a:bodyPr>
+            <a:normAutofit/>
+          </a:bodyPr>
+          <a:lstStyle/>
+          <a:p>
+            <a:r>
+              <a:rPr lang="en-US" sz="3000" dirty="0">
+                <a:solidFill>
+                  <a:srgbClr val="990033"/>
+                </a:solidFill>
+                <a:latin typeface="Times New Roman" panose="02020603050405020304" pitchFamily="18" charset="0"/>
+                <a:cs typeface="Times New Roman" panose="02020603050405020304" pitchFamily="18" charset="0"/>
+              </a:rPr>
+              <a:t>The Resurgance of Civil War in 2015 Turkey</a:t>
+            </a:r>
+            <a:br>
+              <a:rPr lang="en-US" sz="3000" dirty="0">
+                <a:solidFill>
+                  <a:srgbClr val="990033"/>
+                </a:solidFill>
+                <a:latin typeface="Times New Roman" panose="02020603050405020304" pitchFamily="18" charset="0"/>
+                <a:cs typeface="Times New Roman" panose="02020603050405020304" pitchFamily="18" charset="0"/>
+              </a:rPr>
+            </a:br>
+            <a:r>
+              <a:rPr lang="en-US" sz="3000" dirty="0">
+                <a:solidFill>
+                  <a:srgbClr val="990033"/>
+                </a:solidFill>
+                <a:latin typeface="Times New Roman" panose="02020603050405020304" pitchFamily="18" charset="0"/>
+                <a:cs typeface="Times New Roman" panose="02020603050405020304" pitchFamily="18" charset="0"/>
+              </a:rPr>
+              <a:t>and</a:t>
+            </a:r>
+            <a:br>
+              <a:rPr lang="en-US" sz="3000" dirty="0">
+                <a:solidFill>
+                  <a:srgbClr val="990033"/>
+                </a:solidFill>
+                <a:latin typeface="Times New Roman" panose="02020603050405020304" pitchFamily="18" charset="0"/>
+                <a:cs typeface="Times New Roman" panose="02020603050405020304" pitchFamily="18" charset="0"/>
+              </a:rPr>
+            </a:br>
+            <a:r>
+              <a:rPr lang="en-US" sz="3000" dirty="0">
+                <a:solidFill>
+                  <a:srgbClr val="990033"/>
+                </a:solidFill>
+                <a:latin typeface="Times New Roman" panose="02020603050405020304" pitchFamily="18" charset="0"/>
+                <a:cs typeface="Times New Roman" panose="02020603050405020304" pitchFamily="18" charset="0"/>
+              </a:rPr>
+              <a:t> JDP’s Electoral Success</a:t>
+            </a:r>
           </a:p>
         </p:txBody>
       </p:sp>
@@ -3363,12 +3085,82 @@
             <p:ph type="subTitle" idx="1"/>
           </p:nvPr>
         </p:nvSpPr>
-        <p:spPr/>
-        <p:txBody>
-          <a:bodyPr/>
-          <a:lstStyle/>
-          <a:p>
-            <a:endParaRPr lang="en-US"/>
+        <p:spPr>
+          <a:xfrm>
+            <a:off x="0" y="3945276"/>
+            <a:ext cx="9144000" cy="2044362"/>
+          </a:xfrm>
+        </p:spPr>
+        <p:txBody>
+          <a:bodyPr>
+            <a:normAutofit/>
+          </a:bodyPr>
+          <a:lstStyle/>
+          <a:p>
+            <a:r>
+              <a:rPr lang="en-US" sz="2200" b="1" dirty="0">
+                <a:latin typeface="Times New Roman" panose="02020603050405020304" pitchFamily="18" charset="0"/>
+                <a:cs typeface="Times New Roman" panose="02020603050405020304" pitchFamily="18" charset="0"/>
+              </a:rPr>
+              <a:t>PLSC 31101: Computational Tools for Social Science</a:t>
+            </a:r>
+          </a:p>
+          <a:p>
+            <a:r>
+              <a:rPr lang="tr-TR" sz="1800" dirty="0">
+                <a:latin typeface="Times New Roman" panose="02020603050405020304" pitchFamily="18" charset="0"/>
+                <a:cs typeface="Times New Roman" panose="02020603050405020304" pitchFamily="18" charset="0"/>
+              </a:rPr>
+              <a:t>Final Project</a:t>
+            </a:r>
+          </a:p>
+          <a:p>
+            <a:r>
+              <a:rPr lang="tr-TR" sz="1800" dirty="0">
+                <a:latin typeface="Times New Roman" panose="02020603050405020304" pitchFamily="18" charset="0"/>
+                <a:cs typeface="Times New Roman" panose="02020603050405020304" pitchFamily="18" charset="0"/>
+              </a:rPr>
+              <a:t>Burak Tan</a:t>
+            </a:r>
+          </a:p>
+          <a:p>
+            <a:r>
+              <a:rPr lang="tr-TR" sz="1800" dirty="0">
+                <a:latin typeface="Times New Roman" panose="02020603050405020304" pitchFamily="18" charset="0"/>
+                <a:cs typeface="Times New Roman" panose="02020603050405020304" pitchFamily="18" charset="0"/>
+              </a:rPr>
+              <a:t>Fall 2019</a:t>
+            </a:r>
+          </a:p>
+          <a:p>
+            <a:r>
+              <a:rPr lang="en-CA" sz="1800" dirty="0">
+                <a:latin typeface="Times New Roman" panose="02020603050405020304" pitchFamily="18" charset="0"/>
+                <a:cs typeface="Times New Roman" panose="02020603050405020304" pitchFamily="18" charset="0"/>
+              </a:rPr>
+              <a:t>The</a:t>
+            </a:r>
+            <a:r>
+              <a:rPr lang="tr-TR" sz="1800" dirty="0">
+                <a:latin typeface="Times New Roman" panose="02020603050405020304" pitchFamily="18" charset="0"/>
+                <a:cs typeface="Times New Roman" panose="02020603050405020304" pitchFamily="18" charset="0"/>
+              </a:rPr>
+              <a:t> </a:t>
+            </a:r>
+            <a:r>
+              <a:rPr lang="en-US" sz="1800" dirty="0">
+                <a:latin typeface="Times New Roman" panose="02020603050405020304" pitchFamily="18" charset="0"/>
+                <a:cs typeface="Times New Roman" panose="02020603050405020304" pitchFamily="18" charset="0"/>
+              </a:rPr>
+              <a:t>University</a:t>
+            </a:r>
+            <a:r>
+              <a:rPr lang="tr-TR" sz="1800" dirty="0">
+                <a:latin typeface="Times New Roman" panose="02020603050405020304" pitchFamily="18" charset="0"/>
+                <a:cs typeface="Times New Roman" panose="02020603050405020304" pitchFamily="18" charset="0"/>
+              </a:rPr>
+              <a:t> of Chicago</a:t>
+            </a:r>
           </a:p>
         </p:txBody>
       </p:sp>
@@ -3418,12 +3210,49 @@
             <p:ph type="title"/>
           </p:nvPr>
         </p:nvSpPr>
-        <p:spPr/>
-        <p:txBody>
-          <a:bodyPr/>
-          <a:lstStyle/>
-          <a:p>
-            <a:endParaRPr lang="en-US" dirty="0"/>
+        <p:spPr>
+          <a:xfrm>
+            <a:off x="628650" y="940479"/>
+            <a:ext cx="7886700" cy="1325563"/>
+          </a:xfrm>
+        </p:spPr>
+        <p:txBody>
+          <a:bodyPr>
+            <a:normAutofit/>
+          </a:bodyPr>
+          <a:lstStyle/>
+          <a:p>
+            <a:pPr algn="ctr"/>
+            <a:r>
+              <a:rPr lang="tr-TR" sz="3600" dirty="0" err="1">
+                <a:solidFill>
+                  <a:srgbClr val="990033"/>
+                </a:solidFill>
+                <a:latin typeface="Times New Roman" panose="02020603050405020304" pitchFamily="18" charset="0"/>
+                <a:cs typeface="Times New Roman" panose="02020603050405020304" pitchFamily="18" charset="0"/>
+              </a:rPr>
+              <a:t>Summer</a:t>
+            </a:r>
+            <a:r>
+              <a:rPr lang="tr-TR" sz="3600" dirty="0">
+                <a:solidFill>
+                  <a:srgbClr val="990033"/>
+                </a:solidFill>
+                <a:latin typeface="Times New Roman" panose="02020603050405020304" pitchFamily="18" charset="0"/>
+                <a:cs typeface="Times New Roman" panose="02020603050405020304" pitchFamily="18" charset="0"/>
+              </a:rPr>
+              <a:t> 2015: </a:t>
+            </a:r>
+            <a:r>
+              <a:rPr lang="en-US" sz="3600" dirty="0">
+                <a:solidFill>
+                  <a:srgbClr val="990033"/>
+                </a:solidFill>
+                <a:latin typeface="Times New Roman" panose="02020603050405020304" pitchFamily="18" charset="0"/>
+                <a:cs typeface="Times New Roman" panose="02020603050405020304" pitchFamily="18" charset="0"/>
+              </a:rPr>
+              <a:t>Two Elections</a:t>
+            </a:r>
           </a:p>
         </p:txBody>
       </p:sp>
@@ -3443,12 +3272,159 @@
             <p:ph idx="1"/>
           </p:nvPr>
         </p:nvSpPr>
-        <p:spPr/>
-        <p:txBody>
-          <a:bodyPr/>
-          <a:lstStyle/>
-          <a:p>
-            <a:endParaRPr lang="en-US"/>
+        <p:spPr>
+          <a:xfrm>
+            <a:off x="628650" y="2455523"/>
+            <a:ext cx="7886700" cy="3721439"/>
+          </a:xfrm>
+        </p:spPr>
+        <p:txBody>
+          <a:bodyPr>
+            <a:normAutofit/>
+          </a:bodyPr>
+          <a:lstStyle/>
+          <a:p>
+            <a:r>
+              <a:rPr lang="en-US" sz="2400" dirty="0">
+                <a:latin typeface="Times New Roman" panose="02020603050405020304" pitchFamily="18" charset="0"/>
+                <a:cs typeface="Times New Roman" panose="02020603050405020304" pitchFamily="18" charset="0"/>
+              </a:rPr>
+              <a:t>June 7th, </a:t>
+            </a:r>
+            <a:r>
+              <a:rPr lang="tr-TR" sz="2400" dirty="0">
+                <a:latin typeface="Times New Roman" panose="02020603050405020304" pitchFamily="18" charset="0"/>
+                <a:cs typeface="Times New Roman" panose="02020603050405020304" pitchFamily="18" charset="0"/>
+              </a:rPr>
+              <a:t>2015: 40.9% 258 </a:t>
+            </a:r>
+            <a:r>
+              <a:rPr lang="tr-TR" sz="2400" dirty="0" err="1">
+                <a:latin typeface="Times New Roman" panose="02020603050405020304" pitchFamily="18" charset="0"/>
+                <a:cs typeface="Times New Roman" panose="02020603050405020304" pitchFamily="18" charset="0"/>
+              </a:rPr>
+              <a:t>MPs</a:t>
+            </a:r>
+            <a:endParaRPr lang="tr-TR" sz="2400" dirty="0">
+              <a:latin typeface="Times New Roman" panose="02020603050405020304" pitchFamily="18" charset="0"/>
+              <a:cs typeface="Times New Roman" panose="02020603050405020304" pitchFamily="18" charset="0"/>
+            </a:endParaRPr>
+          </a:p>
+          <a:p>
+            <a:endParaRPr lang="tr-TR" sz="2400" dirty="0">
+              <a:latin typeface="Times New Roman" panose="02020603050405020304" pitchFamily="18" charset="0"/>
+              <a:cs typeface="Times New Roman" panose="02020603050405020304" pitchFamily="18" charset="0"/>
+            </a:endParaRPr>
+          </a:p>
+          <a:p>
+            <a:r>
+              <a:rPr lang="tr-TR" sz="2400" dirty="0" err="1">
+                <a:latin typeface="Times New Roman" panose="02020603050405020304" pitchFamily="18" charset="0"/>
+                <a:cs typeface="Times New Roman" panose="02020603050405020304" pitchFamily="18" charset="0"/>
+              </a:rPr>
+              <a:t>November</a:t>
+            </a:r>
+            <a:r>
+              <a:rPr lang="tr-TR" sz="2400" dirty="0">
+                <a:latin typeface="Times New Roman" panose="02020603050405020304" pitchFamily="18" charset="0"/>
+                <a:cs typeface="Times New Roman" panose="02020603050405020304" pitchFamily="18" charset="0"/>
+              </a:rPr>
+              <a:t> 1st, 2015: 49.8% 317MPs</a:t>
+            </a:r>
+          </a:p>
+          <a:p>
+            <a:endParaRPr lang="tr-TR" sz="2400" dirty="0">
+              <a:latin typeface="Times New Roman" panose="02020603050405020304" pitchFamily="18" charset="0"/>
+              <a:cs typeface="Times New Roman" panose="02020603050405020304" pitchFamily="18" charset="0"/>
+            </a:endParaRPr>
+          </a:p>
+          <a:p>
+            <a:r>
+              <a:rPr lang="tr-TR" sz="2400" dirty="0">
+                <a:latin typeface="Times New Roman" panose="02020603050405020304" pitchFamily="18" charset="0"/>
+                <a:cs typeface="Times New Roman" panose="02020603050405020304" pitchFamily="18" charset="0"/>
+              </a:rPr>
+              <a:t>5 </a:t>
+            </a:r>
+            <a:r>
+              <a:rPr lang="tr-TR" sz="2400" dirty="0" err="1">
+                <a:latin typeface="Times New Roman" panose="02020603050405020304" pitchFamily="18" charset="0"/>
+                <a:cs typeface="Times New Roman" panose="02020603050405020304" pitchFamily="18" charset="0"/>
+              </a:rPr>
+              <a:t>months</a:t>
+            </a:r>
+            <a:r>
+              <a:rPr lang="tr-TR" sz="2400" dirty="0">
+                <a:latin typeface="Times New Roman" panose="02020603050405020304" pitchFamily="18" charset="0"/>
+                <a:cs typeface="Times New Roman" panose="02020603050405020304" pitchFamily="18" charset="0"/>
+              </a:rPr>
+              <a:t>, 5 </a:t>
+            </a:r>
+            <a:r>
+              <a:rPr lang="tr-TR" sz="2400" dirty="0" err="1">
+                <a:latin typeface="Times New Roman" panose="02020603050405020304" pitchFamily="18" charset="0"/>
+                <a:cs typeface="Times New Roman" panose="02020603050405020304" pitchFamily="18" charset="0"/>
+              </a:rPr>
+              <a:t>million</a:t>
+            </a:r>
+            <a:r>
+              <a:rPr lang="tr-TR" sz="2400" dirty="0">
+                <a:latin typeface="Times New Roman" panose="02020603050405020304" pitchFamily="18" charset="0"/>
+                <a:cs typeface="Times New Roman" panose="02020603050405020304" pitchFamily="18" charset="0"/>
+              </a:rPr>
+              <a:t> </a:t>
+            </a:r>
+            <a:r>
+              <a:rPr lang="tr-TR" sz="2400" dirty="0" err="1">
+                <a:latin typeface="Times New Roman" panose="02020603050405020304" pitchFamily="18" charset="0"/>
+                <a:cs typeface="Times New Roman" panose="02020603050405020304" pitchFamily="18" charset="0"/>
+              </a:rPr>
+              <a:t>votes</a:t>
+            </a:r>
+            <a:r>
+              <a:rPr lang="tr-TR" sz="2400" dirty="0">
+                <a:latin typeface="Times New Roman" panose="02020603050405020304" pitchFamily="18" charset="0"/>
+                <a:cs typeface="Times New Roman" panose="02020603050405020304" pitchFamily="18" charset="0"/>
+              </a:rPr>
+              <a:t>, 1 </a:t>
+            </a:r>
+            <a:r>
+              <a:rPr lang="tr-TR" sz="2400" dirty="0" err="1">
+                <a:latin typeface="Times New Roman" panose="02020603050405020304" pitchFamily="18" charset="0"/>
+                <a:cs typeface="Times New Roman" panose="02020603050405020304" pitchFamily="18" charset="0"/>
+              </a:rPr>
+              <a:t>Civil</a:t>
+            </a:r>
+            <a:r>
+              <a:rPr lang="tr-TR" sz="2400" dirty="0">
+                <a:latin typeface="Times New Roman" panose="02020603050405020304" pitchFamily="18" charset="0"/>
+                <a:cs typeface="Times New Roman" panose="02020603050405020304" pitchFamily="18" charset="0"/>
+              </a:rPr>
+              <a:t> </a:t>
+            </a:r>
+            <a:r>
+              <a:rPr lang="tr-TR" sz="2400" dirty="0" err="1">
+                <a:latin typeface="Times New Roman" panose="02020603050405020304" pitchFamily="18" charset="0"/>
+                <a:cs typeface="Times New Roman" panose="02020603050405020304" pitchFamily="18" charset="0"/>
+              </a:rPr>
+              <a:t>War</a:t>
+            </a:r>
+            <a:endParaRPr lang="tr-TR" sz="2400" dirty="0">
+              <a:latin typeface="Times New Roman" panose="02020603050405020304" pitchFamily="18" charset="0"/>
+              <a:cs typeface="Times New Roman" panose="02020603050405020304" pitchFamily="18" charset="0"/>
+            </a:endParaRPr>
+          </a:p>
+          <a:p>
+            <a:endParaRPr lang="tr-TR" sz="2400" dirty="0">
+              <a:latin typeface="Times New Roman" panose="02020603050405020304" pitchFamily="18" charset="0"/>
+              <a:cs typeface="Times New Roman" panose="02020603050405020304" pitchFamily="18" charset="0"/>
+            </a:endParaRPr>
+          </a:p>
+          <a:p>
+            <a:endParaRPr lang="en-US" sz="2400" dirty="0">
+              <a:latin typeface="Times New Roman" panose="02020603050405020304" pitchFamily="18" charset="0"/>
+              <a:cs typeface="Times New Roman" panose="02020603050405020304" pitchFamily="18" charset="0"/>
+            </a:endParaRPr>
           </a:p>
         </p:txBody>
       </p:sp>
@@ -3465,10 +3441,2006 @@
 </p:sld>
 </file>
 
+<file path=ppt/slides/slide3.xml><?xml version="1.0" encoding="utf-8"?>
+<p:sld xmlns:a="http://schemas.openxmlformats.org/drawingml/2006/main" xmlns:r="http://schemas.openxmlformats.org/officeDocument/2006/relationships" xmlns:p="http://schemas.openxmlformats.org/presentationml/2006/main">
+  <p:cSld>
+    <p:spTree>
+      <p:nvGrpSpPr>
+        <p:cNvPr id="1" name=""/>
+        <p:cNvGrpSpPr/>
+        <p:nvPr/>
+      </p:nvGrpSpPr>
+      <p:grpSpPr>
+        <a:xfrm>
+          <a:off x="0" y="0"/>
+          <a:ext cx="0" cy="0"/>
+          <a:chOff x="0" y="0"/>
+          <a:chExt cx="0" cy="0"/>
+        </a:xfrm>
+      </p:grpSpPr>
+      <p:sp>
+        <p:nvSpPr>
+          <p:cNvPr id="2" name="Title 1">
+            <a:extLst>
+              <a:ext uri="{FF2B5EF4-FFF2-40B4-BE49-F238E27FC236}">
+                <a16:creationId xmlns:a16="http://schemas.microsoft.com/office/drawing/2014/main" id="{1864FD7E-412E-494C-A636-77821C223280}"/>
+              </a:ext>
+            </a:extLst>
+          </p:cNvPr>
+          <p:cNvSpPr>
+            <a:spLocks noGrp="1"/>
+          </p:cNvSpPr>
+          <p:nvPr>
+            <p:ph type="title"/>
+          </p:nvPr>
+        </p:nvSpPr>
+        <p:spPr>
+          <a:xfrm>
+            <a:off x="628650" y="940479"/>
+            <a:ext cx="7886700" cy="1325563"/>
+          </a:xfrm>
+        </p:spPr>
+        <p:txBody>
+          <a:bodyPr>
+            <a:normAutofit/>
+          </a:bodyPr>
+          <a:lstStyle/>
+          <a:p>
+            <a:pPr algn="ctr"/>
+            <a:r>
+              <a:rPr lang="en-US" sz="3600" dirty="0">
+                <a:solidFill>
+                  <a:srgbClr val="990033"/>
+                </a:solidFill>
+                <a:latin typeface="Times New Roman" panose="02020603050405020304" pitchFamily="18" charset="0"/>
+                <a:cs typeface="Times New Roman" panose="02020603050405020304" pitchFamily="18" charset="0"/>
+              </a:rPr>
+              <a:t>Question and Hypothesis</a:t>
+            </a:r>
+          </a:p>
+        </p:txBody>
+      </p:sp>
+      <p:sp>
+        <p:nvSpPr>
+          <p:cNvPr id="3" name="Content Placeholder 2">
+            <a:extLst>
+              <a:ext uri="{FF2B5EF4-FFF2-40B4-BE49-F238E27FC236}">
+                <a16:creationId xmlns:a16="http://schemas.microsoft.com/office/drawing/2014/main" id="{3FDB1F34-596C-45C9-A772-4DB2110CD5E7}"/>
+              </a:ext>
+            </a:extLst>
+          </p:cNvPr>
+          <p:cNvSpPr>
+            <a:spLocks noGrp="1"/>
+          </p:cNvSpPr>
+          <p:nvPr>
+            <p:ph idx="1"/>
+          </p:nvPr>
+        </p:nvSpPr>
+        <p:spPr>
+          <a:xfrm>
+            <a:off x="628650" y="2455523"/>
+            <a:ext cx="7886700" cy="3721439"/>
+          </a:xfrm>
+        </p:spPr>
+        <p:txBody>
+          <a:bodyPr>
+            <a:normAutofit/>
+          </a:bodyPr>
+          <a:lstStyle/>
+          <a:p>
+            <a:r>
+              <a:rPr lang="en-US" sz="2400" u="sng" dirty="0">
+                <a:latin typeface="Times New Roman" panose="02020603050405020304" pitchFamily="18" charset="0"/>
+                <a:cs typeface="Times New Roman" panose="02020603050405020304" pitchFamily="18" charset="0"/>
+              </a:rPr>
+              <a:t>Question</a:t>
+            </a:r>
+            <a:r>
+              <a:rPr lang="en-US" sz="2400" dirty="0">
+                <a:latin typeface="Times New Roman" panose="02020603050405020304" pitchFamily="18" charset="0"/>
+                <a:cs typeface="Times New Roman" panose="02020603050405020304" pitchFamily="18" charset="0"/>
+              </a:rPr>
+              <a:t>:</a:t>
+            </a:r>
+            <a:r>
+              <a:rPr lang="tr-TR" sz="2400" dirty="0">
+                <a:latin typeface="Times New Roman" panose="02020603050405020304" pitchFamily="18" charset="0"/>
+                <a:cs typeface="Times New Roman" panose="02020603050405020304" pitchFamily="18" charset="0"/>
+              </a:rPr>
+              <a:t> </a:t>
+            </a:r>
+            <a:r>
+              <a:rPr lang="tr-TR" sz="2400" dirty="0" err="1">
+                <a:latin typeface="Times New Roman" panose="02020603050405020304" pitchFamily="18" charset="0"/>
+                <a:cs typeface="Times New Roman" panose="02020603050405020304" pitchFamily="18" charset="0"/>
+              </a:rPr>
+              <a:t>What</a:t>
+            </a:r>
+            <a:r>
+              <a:rPr lang="tr-TR" sz="2400" dirty="0">
+                <a:latin typeface="Times New Roman" panose="02020603050405020304" pitchFamily="18" charset="0"/>
+                <a:cs typeface="Times New Roman" panose="02020603050405020304" pitchFamily="18" charset="0"/>
+              </a:rPr>
+              <a:t> is </a:t>
+            </a:r>
+            <a:r>
+              <a:rPr lang="tr-TR" sz="2400" dirty="0" err="1">
+                <a:latin typeface="Times New Roman" panose="02020603050405020304" pitchFamily="18" charset="0"/>
+                <a:cs typeface="Times New Roman" panose="02020603050405020304" pitchFamily="18" charset="0"/>
+              </a:rPr>
+              <a:t>the</a:t>
+            </a:r>
+            <a:r>
+              <a:rPr lang="tr-TR" sz="2400" dirty="0">
+                <a:latin typeface="Times New Roman" panose="02020603050405020304" pitchFamily="18" charset="0"/>
+                <a:cs typeface="Times New Roman" panose="02020603050405020304" pitchFamily="18" charset="0"/>
+              </a:rPr>
+              <a:t> </a:t>
+            </a:r>
+            <a:r>
+              <a:rPr lang="tr-TR" sz="2400" dirty="0" err="1">
+                <a:latin typeface="Times New Roman" panose="02020603050405020304" pitchFamily="18" charset="0"/>
+                <a:cs typeface="Times New Roman" panose="02020603050405020304" pitchFamily="18" charset="0"/>
+              </a:rPr>
+              <a:t>relationship</a:t>
+            </a:r>
+            <a:r>
+              <a:rPr lang="tr-TR" sz="2400" dirty="0">
+                <a:latin typeface="Times New Roman" panose="02020603050405020304" pitchFamily="18" charset="0"/>
+                <a:cs typeface="Times New Roman" panose="02020603050405020304" pitchFamily="18" charset="0"/>
+              </a:rPr>
+              <a:t> </a:t>
+            </a:r>
+            <a:r>
+              <a:rPr lang="tr-TR" sz="2400" dirty="0" err="1">
+                <a:latin typeface="Times New Roman" panose="02020603050405020304" pitchFamily="18" charset="0"/>
+                <a:cs typeface="Times New Roman" panose="02020603050405020304" pitchFamily="18" charset="0"/>
+              </a:rPr>
+              <a:t>between</a:t>
+            </a:r>
+            <a:r>
+              <a:rPr lang="tr-TR" sz="2400" dirty="0">
+                <a:latin typeface="Times New Roman" panose="02020603050405020304" pitchFamily="18" charset="0"/>
+                <a:cs typeface="Times New Roman" panose="02020603050405020304" pitchFamily="18" charset="0"/>
+              </a:rPr>
+              <a:t> </a:t>
+            </a:r>
+            <a:r>
+              <a:rPr lang="tr-TR" sz="2400" dirty="0" err="1">
+                <a:latin typeface="Times New Roman" panose="02020603050405020304" pitchFamily="18" charset="0"/>
+                <a:cs typeface="Times New Roman" panose="02020603050405020304" pitchFamily="18" charset="0"/>
+              </a:rPr>
+              <a:t>the</a:t>
+            </a:r>
+            <a:r>
+              <a:rPr lang="tr-TR" sz="2400" dirty="0">
+                <a:latin typeface="Times New Roman" panose="02020603050405020304" pitchFamily="18" charset="0"/>
+                <a:cs typeface="Times New Roman" panose="02020603050405020304" pitchFamily="18" charset="0"/>
+              </a:rPr>
+              <a:t> </a:t>
+            </a:r>
+            <a:r>
+              <a:rPr lang="tr-TR" sz="2400" dirty="0" err="1">
+                <a:latin typeface="Times New Roman" panose="02020603050405020304" pitchFamily="18" charset="0"/>
+                <a:cs typeface="Times New Roman" panose="02020603050405020304" pitchFamily="18" charset="0"/>
+              </a:rPr>
+              <a:t>increased</a:t>
+            </a:r>
+            <a:r>
+              <a:rPr lang="tr-TR" sz="2400" dirty="0">
+                <a:latin typeface="Times New Roman" panose="02020603050405020304" pitchFamily="18" charset="0"/>
+                <a:cs typeface="Times New Roman" panose="02020603050405020304" pitchFamily="18" charset="0"/>
+              </a:rPr>
+              <a:t> JDP </a:t>
+            </a:r>
+            <a:r>
+              <a:rPr lang="tr-TR" sz="2400" dirty="0" err="1">
+                <a:latin typeface="Times New Roman" panose="02020603050405020304" pitchFamily="18" charset="0"/>
+                <a:cs typeface="Times New Roman" panose="02020603050405020304" pitchFamily="18" charset="0"/>
+              </a:rPr>
+              <a:t>votes</a:t>
+            </a:r>
+            <a:r>
+              <a:rPr lang="tr-TR" sz="2400" dirty="0">
+                <a:latin typeface="Times New Roman" panose="02020603050405020304" pitchFamily="18" charset="0"/>
+                <a:cs typeface="Times New Roman" panose="02020603050405020304" pitchFamily="18" charset="0"/>
+              </a:rPr>
+              <a:t> </a:t>
+            </a:r>
+            <a:r>
+              <a:rPr lang="tr-TR" sz="2400" dirty="0" err="1">
+                <a:latin typeface="Times New Roman" panose="02020603050405020304" pitchFamily="18" charset="0"/>
+                <a:cs typeface="Times New Roman" panose="02020603050405020304" pitchFamily="18" charset="0"/>
+              </a:rPr>
+              <a:t>and</a:t>
+            </a:r>
+            <a:r>
+              <a:rPr lang="tr-TR" sz="2400" dirty="0">
+                <a:latin typeface="Times New Roman" panose="02020603050405020304" pitchFamily="18" charset="0"/>
+                <a:cs typeface="Times New Roman" panose="02020603050405020304" pitchFamily="18" charset="0"/>
+              </a:rPr>
+              <a:t> </a:t>
+            </a:r>
+            <a:r>
+              <a:rPr lang="tr-TR" sz="2400" dirty="0" err="1">
+                <a:latin typeface="Times New Roman" panose="02020603050405020304" pitchFamily="18" charset="0"/>
+                <a:cs typeface="Times New Roman" panose="02020603050405020304" pitchFamily="18" charset="0"/>
+              </a:rPr>
+              <a:t>the</a:t>
+            </a:r>
+            <a:r>
+              <a:rPr lang="tr-TR" sz="2400" dirty="0">
+                <a:latin typeface="Times New Roman" panose="02020603050405020304" pitchFamily="18" charset="0"/>
+                <a:cs typeface="Times New Roman" panose="02020603050405020304" pitchFamily="18" charset="0"/>
+              </a:rPr>
+              <a:t> </a:t>
+            </a:r>
+            <a:r>
+              <a:rPr lang="en-US" sz="2400" dirty="0">
+                <a:latin typeface="Times New Roman" panose="02020603050405020304" pitchFamily="18" charset="0"/>
+                <a:cs typeface="Times New Roman" panose="02020603050405020304" pitchFamily="18" charset="0"/>
+              </a:rPr>
+              <a:t>resurgence</a:t>
+            </a:r>
+            <a:r>
+              <a:rPr lang="tr-TR" sz="2400" dirty="0">
+                <a:latin typeface="Times New Roman" panose="02020603050405020304" pitchFamily="18" charset="0"/>
+                <a:cs typeface="Times New Roman" panose="02020603050405020304" pitchFamily="18" charset="0"/>
+              </a:rPr>
+              <a:t> of </a:t>
+            </a:r>
+            <a:r>
+              <a:rPr lang="tr-TR" sz="2400" dirty="0" err="1">
+                <a:latin typeface="Times New Roman" panose="02020603050405020304" pitchFamily="18" charset="0"/>
+                <a:cs typeface="Times New Roman" panose="02020603050405020304" pitchFamily="18" charset="0"/>
+              </a:rPr>
+              <a:t>violence</a:t>
+            </a:r>
+            <a:r>
+              <a:rPr lang="tr-TR" sz="2400" dirty="0">
+                <a:latin typeface="Times New Roman" panose="02020603050405020304" pitchFamily="18" charset="0"/>
+                <a:cs typeface="Times New Roman" panose="02020603050405020304" pitchFamily="18" charset="0"/>
+              </a:rPr>
+              <a:t>?</a:t>
+            </a:r>
+          </a:p>
+          <a:p>
+            <a:endParaRPr lang="tr-TR" sz="2400" dirty="0">
+              <a:latin typeface="Times New Roman" panose="02020603050405020304" pitchFamily="18" charset="0"/>
+              <a:cs typeface="Times New Roman" panose="02020603050405020304" pitchFamily="18" charset="0"/>
+            </a:endParaRPr>
+          </a:p>
+          <a:p>
+            <a:r>
+              <a:rPr lang="tr-TR" sz="2400" u="sng" dirty="0">
+                <a:latin typeface="Times New Roman" panose="02020603050405020304" pitchFamily="18" charset="0"/>
+                <a:cs typeface="Times New Roman" panose="02020603050405020304" pitchFamily="18" charset="0"/>
+              </a:rPr>
+              <a:t>Hypothesis</a:t>
+            </a:r>
+            <a:r>
+              <a:rPr lang="tr-TR" sz="2400" dirty="0">
+                <a:latin typeface="Times New Roman" panose="02020603050405020304" pitchFamily="18" charset="0"/>
+                <a:cs typeface="Times New Roman" panose="02020603050405020304" pitchFamily="18" charset="0"/>
+              </a:rPr>
+              <a:t>: JDP </a:t>
+            </a:r>
+            <a:r>
+              <a:rPr lang="tr-TR" sz="2400" noProof="1">
+                <a:latin typeface="Times New Roman" panose="02020603050405020304" pitchFamily="18" charset="0"/>
+                <a:cs typeface="Times New Roman" panose="02020603050405020304" pitchFamily="18" charset="0"/>
+              </a:rPr>
+              <a:t>increased</a:t>
+            </a:r>
+            <a:r>
+              <a:rPr lang="tr-TR" sz="2400" dirty="0">
+                <a:latin typeface="Times New Roman" panose="02020603050405020304" pitchFamily="18" charset="0"/>
+                <a:cs typeface="Times New Roman" panose="02020603050405020304" pitchFamily="18" charset="0"/>
+              </a:rPr>
+              <a:t> </a:t>
+            </a:r>
+            <a:r>
+              <a:rPr lang="tr-TR" sz="2400" dirty="0" err="1">
+                <a:latin typeface="Times New Roman" panose="02020603050405020304" pitchFamily="18" charset="0"/>
+                <a:cs typeface="Times New Roman" panose="02020603050405020304" pitchFamily="18" charset="0"/>
+              </a:rPr>
+              <a:t>its</a:t>
+            </a:r>
+            <a:r>
+              <a:rPr lang="tr-TR" sz="2400" dirty="0">
+                <a:latin typeface="Times New Roman" panose="02020603050405020304" pitchFamily="18" charset="0"/>
+                <a:cs typeface="Times New Roman" panose="02020603050405020304" pitchFamily="18" charset="0"/>
+              </a:rPr>
+              <a:t> </a:t>
+            </a:r>
+            <a:r>
+              <a:rPr lang="tr-TR" sz="2400" dirty="0" err="1">
+                <a:latin typeface="Times New Roman" panose="02020603050405020304" pitchFamily="18" charset="0"/>
+                <a:cs typeface="Times New Roman" panose="02020603050405020304" pitchFamily="18" charset="0"/>
+              </a:rPr>
+              <a:t>votes</a:t>
+            </a:r>
+            <a:r>
+              <a:rPr lang="tr-TR" sz="2400" dirty="0">
+                <a:latin typeface="Times New Roman" panose="02020603050405020304" pitchFamily="18" charset="0"/>
+                <a:cs typeface="Times New Roman" panose="02020603050405020304" pitchFamily="18" charset="0"/>
+              </a:rPr>
+              <a:t> </a:t>
+            </a:r>
+            <a:r>
+              <a:rPr lang="tr-TR" sz="2400" dirty="0" err="1">
+                <a:latin typeface="Times New Roman" panose="02020603050405020304" pitchFamily="18" charset="0"/>
+                <a:cs typeface="Times New Roman" panose="02020603050405020304" pitchFamily="18" charset="0"/>
+              </a:rPr>
+              <a:t>predominantly</a:t>
+            </a:r>
+            <a:r>
+              <a:rPr lang="tr-TR" sz="2400" dirty="0">
+                <a:latin typeface="Times New Roman" panose="02020603050405020304" pitchFamily="18" charset="0"/>
+                <a:cs typeface="Times New Roman" panose="02020603050405020304" pitchFamily="18" charset="0"/>
+              </a:rPr>
+              <a:t> in </a:t>
+            </a:r>
+            <a:r>
+              <a:rPr lang="tr-TR" sz="2400" dirty="0" err="1">
+                <a:latin typeface="Times New Roman" panose="02020603050405020304" pitchFamily="18" charset="0"/>
+                <a:cs typeface="Times New Roman" panose="02020603050405020304" pitchFamily="18" charset="0"/>
+              </a:rPr>
+              <a:t>the</a:t>
+            </a:r>
+            <a:r>
+              <a:rPr lang="tr-TR" sz="2400" dirty="0">
+                <a:latin typeface="Times New Roman" panose="02020603050405020304" pitchFamily="18" charset="0"/>
+                <a:cs typeface="Times New Roman" panose="02020603050405020304" pitchFamily="18" charset="0"/>
+              </a:rPr>
+              <a:t> </a:t>
+            </a:r>
+            <a:r>
+              <a:rPr lang="tr-TR" sz="2400" dirty="0" err="1">
+                <a:latin typeface="Times New Roman" panose="02020603050405020304" pitchFamily="18" charset="0"/>
+                <a:cs typeface="Times New Roman" panose="02020603050405020304" pitchFamily="18" charset="0"/>
+              </a:rPr>
+              <a:t>districts</a:t>
+            </a:r>
+            <a:r>
+              <a:rPr lang="tr-TR" sz="2400" dirty="0">
+                <a:latin typeface="Times New Roman" panose="02020603050405020304" pitchFamily="18" charset="0"/>
+                <a:cs typeface="Times New Roman" panose="02020603050405020304" pitchFamily="18" charset="0"/>
+              </a:rPr>
+              <a:t> </a:t>
+            </a:r>
+            <a:r>
+              <a:rPr lang="tr-TR" sz="2400" dirty="0" err="1">
+                <a:latin typeface="Times New Roman" panose="02020603050405020304" pitchFamily="18" charset="0"/>
+                <a:cs typeface="Times New Roman" panose="02020603050405020304" pitchFamily="18" charset="0"/>
+              </a:rPr>
+              <a:t>and</a:t>
+            </a:r>
+            <a:r>
+              <a:rPr lang="tr-TR" sz="2400" dirty="0">
+                <a:latin typeface="Times New Roman" panose="02020603050405020304" pitchFamily="18" charset="0"/>
+                <a:cs typeface="Times New Roman" panose="02020603050405020304" pitchFamily="18" charset="0"/>
+              </a:rPr>
+              <a:t> </a:t>
+            </a:r>
+            <a:r>
+              <a:rPr lang="tr-TR" sz="2400" dirty="0" err="1">
+                <a:latin typeface="Times New Roman" panose="02020603050405020304" pitchFamily="18" charset="0"/>
+                <a:cs typeface="Times New Roman" panose="02020603050405020304" pitchFamily="18" charset="0"/>
+              </a:rPr>
+              <a:t>regions</a:t>
+            </a:r>
+            <a:r>
+              <a:rPr lang="tr-TR" sz="2400" dirty="0">
+                <a:latin typeface="Times New Roman" panose="02020603050405020304" pitchFamily="18" charset="0"/>
+                <a:cs typeface="Times New Roman" panose="02020603050405020304" pitchFamily="18" charset="0"/>
+              </a:rPr>
+              <a:t> </a:t>
+            </a:r>
+            <a:r>
+              <a:rPr lang="en-US" sz="2400" dirty="0">
+                <a:latin typeface="Times New Roman" panose="02020603050405020304" pitchFamily="18" charset="0"/>
+                <a:cs typeface="Times New Roman" panose="02020603050405020304" pitchFamily="18" charset="0"/>
+              </a:rPr>
+              <a:t>affected</a:t>
+            </a:r>
+            <a:r>
+              <a:rPr lang="tr-TR" sz="2400" dirty="0">
+                <a:latin typeface="Times New Roman" panose="02020603050405020304" pitchFamily="18" charset="0"/>
+                <a:cs typeface="Times New Roman" panose="02020603050405020304" pitchFamily="18" charset="0"/>
+              </a:rPr>
+              <a:t> </a:t>
+            </a:r>
+            <a:r>
+              <a:rPr lang="tr-TR" sz="2400" dirty="0" err="1">
+                <a:latin typeface="Times New Roman" panose="02020603050405020304" pitchFamily="18" charset="0"/>
+                <a:cs typeface="Times New Roman" panose="02020603050405020304" pitchFamily="18" charset="0"/>
+              </a:rPr>
+              <a:t>by</a:t>
+            </a:r>
+            <a:r>
+              <a:rPr lang="tr-TR" sz="2400" dirty="0">
+                <a:latin typeface="Times New Roman" panose="02020603050405020304" pitchFamily="18" charset="0"/>
+                <a:cs typeface="Times New Roman" panose="02020603050405020304" pitchFamily="18" charset="0"/>
+              </a:rPr>
+              <a:t> </a:t>
+            </a:r>
+            <a:r>
+              <a:rPr lang="tr-TR" sz="2400" dirty="0" err="1">
+                <a:latin typeface="Times New Roman" panose="02020603050405020304" pitchFamily="18" charset="0"/>
+                <a:cs typeface="Times New Roman" panose="02020603050405020304" pitchFamily="18" charset="0"/>
+              </a:rPr>
+              <a:t>the</a:t>
+            </a:r>
+            <a:r>
+              <a:rPr lang="tr-TR" sz="2400" dirty="0">
+                <a:latin typeface="Times New Roman" panose="02020603050405020304" pitchFamily="18" charset="0"/>
+                <a:cs typeface="Times New Roman" panose="02020603050405020304" pitchFamily="18" charset="0"/>
+              </a:rPr>
+              <a:t> </a:t>
+            </a:r>
+            <a:r>
+              <a:rPr lang="tr-TR" sz="2400" dirty="0" err="1">
+                <a:latin typeface="Times New Roman" panose="02020603050405020304" pitchFamily="18" charset="0"/>
+                <a:cs typeface="Times New Roman" panose="02020603050405020304" pitchFamily="18" charset="0"/>
+              </a:rPr>
+              <a:t>civil</a:t>
+            </a:r>
+            <a:r>
+              <a:rPr lang="tr-TR" sz="2400" dirty="0">
+                <a:latin typeface="Times New Roman" panose="02020603050405020304" pitchFamily="18" charset="0"/>
+                <a:cs typeface="Times New Roman" panose="02020603050405020304" pitchFamily="18" charset="0"/>
+              </a:rPr>
+              <a:t> </a:t>
+            </a:r>
+            <a:r>
+              <a:rPr lang="tr-TR" sz="2400" dirty="0" err="1">
+                <a:latin typeface="Times New Roman" panose="02020603050405020304" pitchFamily="18" charset="0"/>
+                <a:cs typeface="Times New Roman" panose="02020603050405020304" pitchFamily="18" charset="0"/>
+              </a:rPr>
+              <a:t>war</a:t>
+            </a:r>
+            <a:r>
+              <a:rPr lang="tr-TR" sz="2400" dirty="0">
+                <a:latin typeface="Times New Roman" panose="02020603050405020304" pitchFamily="18" charset="0"/>
+                <a:cs typeface="Times New Roman" panose="02020603050405020304" pitchFamily="18" charset="0"/>
+              </a:rPr>
+              <a:t> </a:t>
+            </a:r>
+            <a:endParaRPr lang="en-US" sz="2400" dirty="0">
+              <a:latin typeface="Times New Roman" panose="02020603050405020304" pitchFamily="18" charset="0"/>
+              <a:cs typeface="Times New Roman" panose="02020603050405020304" pitchFamily="18" charset="0"/>
+            </a:endParaRPr>
+          </a:p>
+          <a:p>
+            <a:endParaRPr lang="en-US" sz="2400" dirty="0">
+              <a:latin typeface="Times New Roman" panose="02020603050405020304" pitchFamily="18" charset="0"/>
+              <a:cs typeface="Times New Roman" panose="02020603050405020304" pitchFamily="18" charset="0"/>
+            </a:endParaRPr>
+          </a:p>
+          <a:p>
+            <a:endParaRPr lang="en-US" sz="2400" dirty="0">
+              <a:latin typeface="Times New Roman" panose="02020603050405020304" pitchFamily="18" charset="0"/>
+              <a:cs typeface="Times New Roman" panose="02020603050405020304" pitchFamily="18" charset="0"/>
+            </a:endParaRPr>
+          </a:p>
+        </p:txBody>
+      </p:sp>
+    </p:spTree>
+    <p:extLst>
+      <p:ext uri="{BB962C8B-B14F-4D97-AF65-F5344CB8AC3E}">
+        <p14:creationId xmlns:p14="http://schemas.microsoft.com/office/powerpoint/2010/main" val="3320622654"/>
+      </p:ext>
+    </p:extLst>
+  </p:cSld>
+  <p:clrMapOvr>
+    <a:masterClrMapping/>
+  </p:clrMapOvr>
+</p:sld>
+</file>
+
+<file path=ppt/slides/slide4.xml><?xml version="1.0" encoding="utf-8"?>
+<p:sld xmlns:a="http://schemas.openxmlformats.org/drawingml/2006/main" xmlns:r="http://schemas.openxmlformats.org/officeDocument/2006/relationships" xmlns:p="http://schemas.openxmlformats.org/presentationml/2006/main">
+  <p:cSld>
+    <p:spTree>
+      <p:nvGrpSpPr>
+        <p:cNvPr id="1" name=""/>
+        <p:cNvGrpSpPr/>
+        <p:nvPr/>
+      </p:nvGrpSpPr>
+      <p:grpSpPr>
+        <a:xfrm>
+          <a:off x="0" y="0"/>
+          <a:ext cx="0" cy="0"/>
+          <a:chOff x="0" y="0"/>
+          <a:chExt cx="0" cy="0"/>
+        </a:xfrm>
+      </p:grpSpPr>
+      <p:sp>
+        <p:nvSpPr>
+          <p:cNvPr id="2" name="Title 1">
+            <a:extLst>
+              <a:ext uri="{FF2B5EF4-FFF2-40B4-BE49-F238E27FC236}">
+                <a16:creationId xmlns:a16="http://schemas.microsoft.com/office/drawing/2014/main" id="{1864FD7E-412E-494C-A636-77821C223280}"/>
+              </a:ext>
+            </a:extLst>
+          </p:cNvPr>
+          <p:cNvSpPr>
+            <a:spLocks noGrp="1"/>
+          </p:cNvSpPr>
+          <p:nvPr>
+            <p:ph type="title"/>
+          </p:nvPr>
+        </p:nvSpPr>
+        <p:spPr>
+          <a:xfrm>
+            <a:off x="628650" y="328774"/>
+            <a:ext cx="7886700" cy="1654138"/>
+          </a:xfrm>
+        </p:spPr>
+        <p:txBody>
+          <a:bodyPr>
+            <a:normAutofit/>
+          </a:bodyPr>
+          <a:lstStyle/>
+          <a:p>
+            <a:pPr algn="ctr"/>
+            <a:r>
+              <a:rPr lang="tr-TR" sz="3600" dirty="0">
+                <a:solidFill>
+                  <a:srgbClr val="990033"/>
+                </a:solidFill>
+                <a:latin typeface="Times New Roman" panose="02020603050405020304" pitchFamily="18" charset="0"/>
+                <a:cs typeface="Times New Roman" panose="02020603050405020304" pitchFamily="18" charset="0"/>
+              </a:rPr>
+              <a:t>Data</a:t>
+            </a:r>
+            <a:endParaRPr lang="en-US" sz="3600" dirty="0">
+              <a:solidFill>
+                <a:srgbClr val="990033"/>
+              </a:solidFill>
+              <a:latin typeface="Times New Roman" panose="02020603050405020304" pitchFamily="18" charset="0"/>
+              <a:cs typeface="Times New Roman" panose="02020603050405020304" pitchFamily="18" charset="0"/>
+            </a:endParaRPr>
+          </a:p>
+        </p:txBody>
+      </p:sp>
+      <p:sp>
+        <p:nvSpPr>
+          <p:cNvPr id="3" name="Content Placeholder 2">
+            <a:extLst>
+              <a:ext uri="{FF2B5EF4-FFF2-40B4-BE49-F238E27FC236}">
+                <a16:creationId xmlns:a16="http://schemas.microsoft.com/office/drawing/2014/main" id="{3FDB1F34-596C-45C9-A772-4DB2110CD5E7}"/>
+              </a:ext>
+            </a:extLst>
+          </p:cNvPr>
+          <p:cNvSpPr>
+            <a:spLocks noGrp="1"/>
+          </p:cNvSpPr>
+          <p:nvPr>
+            <p:ph idx="1"/>
+          </p:nvPr>
+        </p:nvSpPr>
+        <p:spPr>
+          <a:xfrm>
+            <a:off x="628650" y="1906447"/>
+            <a:ext cx="7886700" cy="3859550"/>
+          </a:xfrm>
+        </p:spPr>
+        <p:txBody>
+          <a:bodyPr>
+            <a:normAutofit/>
+          </a:bodyPr>
+          <a:lstStyle/>
+          <a:p>
+            <a:r>
+              <a:rPr lang="tr-TR" sz="2400" dirty="0" err="1">
+                <a:latin typeface="Times New Roman" panose="02020603050405020304" pitchFamily="18" charset="0"/>
+                <a:cs typeface="Times New Roman" panose="02020603050405020304" pitchFamily="18" charset="0"/>
+              </a:rPr>
+              <a:t>Election</a:t>
+            </a:r>
+            <a:r>
+              <a:rPr lang="tr-TR" sz="2400" dirty="0">
+                <a:latin typeface="Times New Roman" panose="02020603050405020304" pitchFamily="18" charset="0"/>
+                <a:cs typeface="Times New Roman" panose="02020603050405020304" pitchFamily="18" charset="0"/>
+              </a:rPr>
+              <a:t> </a:t>
+            </a:r>
+            <a:r>
+              <a:rPr lang="tr-TR" sz="2400" dirty="0" err="1">
+                <a:latin typeface="Times New Roman" panose="02020603050405020304" pitchFamily="18" charset="0"/>
+                <a:cs typeface="Times New Roman" panose="02020603050405020304" pitchFamily="18" charset="0"/>
+              </a:rPr>
+              <a:t>results</a:t>
+            </a:r>
+            <a:r>
+              <a:rPr lang="tr-TR" sz="2400" dirty="0">
+                <a:latin typeface="Times New Roman" panose="02020603050405020304" pitchFamily="18" charset="0"/>
+                <a:cs typeface="Times New Roman" panose="02020603050405020304" pitchFamily="18" charset="0"/>
+              </a:rPr>
+              <a:t>: </a:t>
+            </a:r>
+            <a:r>
+              <a:rPr lang="tr-TR" sz="2400" dirty="0" err="1">
+                <a:latin typeface="Times New Roman" panose="02020603050405020304" pitchFamily="18" charset="0"/>
+                <a:cs typeface="Times New Roman" panose="02020603050405020304" pitchFamily="18" charset="0"/>
+              </a:rPr>
+              <a:t>Turkish</a:t>
+            </a:r>
+            <a:r>
+              <a:rPr lang="tr-TR" sz="2400" dirty="0">
+                <a:latin typeface="Times New Roman" panose="02020603050405020304" pitchFamily="18" charset="0"/>
+                <a:cs typeface="Times New Roman" panose="02020603050405020304" pitchFamily="18" charset="0"/>
+              </a:rPr>
+              <a:t> </a:t>
+            </a:r>
+            <a:r>
+              <a:rPr lang="tr-TR" sz="2400" dirty="0" err="1">
+                <a:latin typeface="Times New Roman" panose="02020603050405020304" pitchFamily="18" charset="0"/>
+                <a:cs typeface="Times New Roman" panose="02020603050405020304" pitchFamily="18" charset="0"/>
+              </a:rPr>
+              <a:t>Supreme</a:t>
+            </a:r>
+            <a:r>
+              <a:rPr lang="tr-TR" sz="2400" dirty="0">
+                <a:latin typeface="Times New Roman" panose="02020603050405020304" pitchFamily="18" charset="0"/>
+                <a:cs typeface="Times New Roman" panose="02020603050405020304" pitchFamily="18" charset="0"/>
+              </a:rPr>
+              <a:t> </a:t>
+            </a:r>
+            <a:r>
+              <a:rPr lang="tr-TR" sz="2400" dirty="0" err="1">
+                <a:latin typeface="Times New Roman" panose="02020603050405020304" pitchFamily="18" charset="0"/>
+                <a:cs typeface="Times New Roman" panose="02020603050405020304" pitchFamily="18" charset="0"/>
+              </a:rPr>
+              <a:t>Electoral</a:t>
+            </a:r>
+            <a:r>
+              <a:rPr lang="tr-TR" sz="2400" dirty="0">
+                <a:latin typeface="Times New Roman" panose="02020603050405020304" pitchFamily="18" charset="0"/>
+                <a:cs typeface="Times New Roman" panose="02020603050405020304" pitchFamily="18" charset="0"/>
+              </a:rPr>
+              <a:t> </a:t>
+            </a:r>
+            <a:r>
+              <a:rPr lang="tr-TR" sz="2400" dirty="0" err="1">
+                <a:latin typeface="Times New Roman" panose="02020603050405020304" pitchFamily="18" charset="0"/>
+                <a:cs typeface="Times New Roman" panose="02020603050405020304" pitchFamily="18" charset="0"/>
+              </a:rPr>
+              <a:t>Council</a:t>
+            </a:r>
+            <a:endParaRPr lang="tr-TR" sz="2400" dirty="0">
+              <a:latin typeface="Times New Roman" panose="02020603050405020304" pitchFamily="18" charset="0"/>
+              <a:cs typeface="Times New Roman" panose="02020603050405020304" pitchFamily="18" charset="0"/>
+            </a:endParaRPr>
+          </a:p>
+          <a:p>
+            <a:pPr lvl="1"/>
+            <a:r>
+              <a:rPr lang="tr-TR" sz="2000" dirty="0">
+                <a:latin typeface="Times New Roman" panose="02020603050405020304" pitchFamily="18" charset="0"/>
+                <a:cs typeface="Times New Roman" panose="02020603050405020304" pitchFamily="18" charset="0"/>
+              </a:rPr>
+              <a:t>85 </a:t>
+            </a:r>
+            <a:r>
+              <a:rPr lang="tr-TR" sz="2000" dirty="0" err="1">
+                <a:latin typeface="Times New Roman" panose="02020603050405020304" pitchFamily="18" charset="0"/>
+                <a:cs typeface="Times New Roman" panose="02020603050405020304" pitchFamily="18" charset="0"/>
+              </a:rPr>
+              <a:t>electoral</a:t>
+            </a:r>
+            <a:r>
+              <a:rPr lang="tr-TR" sz="2000" dirty="0">
+                <a:latin typeface="Times New Roman" panose="02020603050405020304" pitchFamily="18" charset="0"/>
+                <a:cs typeface="Times New Roman" panose="02020603050405020304" pitchFamily="18" charset="0"/>
+              </a:rPr>
+              <a:t> </a:t>
+            </a:r>
+            <a:r>
+              <a:rPr lang="tr-TR" sz="2000" dirty="0" err="1">
+                <a:latin typeface="Times New Roman" panose="02020603050405020304" pitchFamily="18" charset="0"/>
+                <a:cs typeface="Times New Roman" panose="02020603050405020304" pitchFamily="18" charset="0"/>
+              </a:rPr>
+              <a:t>districts</a:t>
+            </a:r>
+            <a:endParaRPr lang="tr-TR" sz="2000" dirty="0">
+              <a:latin typeface="Times New Roman" panose="02020603050405020304" pitchFamily="18" charset="0"/>
+              <a:cs typeface="Times New Roman" panose="02020603050405020304" pitchFamily="18" charset="0"/>
+            </a:endParaRPr>
+          </a:p>
+          <a:p>
+            <a:endParaRPr lang="tr-TR" sz="2400" dirty="0">
+              <a:latin typeface="Times New Roman" panose="02020603050405020304" pitchFamily="18" charset="0"/>
+              <a:cs typeface="Times New Roman" panose="02020603050405020304" pitchFamily="18" charset="0"/>
+            </a:endParaRPr>
+          </a:p>
+          <a:p>
+            <a:r>
+              <a:rPr lang="tr-TR" sz="2400" dirty="0" err="1">
+                <a:latin typeface="Times New Roman" panose="02020603050405020304" pitchFamily="18" charset="0"/>
+                <a:cs typeface="Times New Roman" panose="02020603050405020304" pitchFamily="18" charset="0"/>
+              </a:rPr>
+              <a:t>Regional</a:t>
+            </a:r>
+            <a:r>
+              <a:rPr lang="tr-TR" sz="2400" dirty="0">
+                <a:latin typeface="Times New Roman" panose="02020603050405020304" pitchFamily="18" charset="0"/>
+                <a:cs typeface="Times New Roman" panose="02020603050405020304" pitchFamily="18" charset="0"/>
+              </a:rPr>
+              <a:t> </a:t>
+            </a:r>
+            <a:r>
+              <a:rPr lang="tr-TR" sz="2400" dirty="0" err="1">
+                <a:latin typeface="Times New Roman" panose="02020603050405020304" pitchFamily="18" charset="0"/>
+                <a:cs typeface="Times New Roman" panose="02020603050405020304" pitchFamily="18" charset="0"/>
+              </a:rPr>
+              <a:t>classification</a:t>
+            </a:r>
+            <a:r>
+              <a:rPr lang="tr-TR" sz="2400" dirty="0">
+                <a:latin typeface="Times New Roman" panose="02020603050405020304" pitchFamily="18" charset="0"/>
+                <a:cs typeface="Times New Roman" panose="02020603050405020304" pitchFamily="18" charset="0"/>
+              </a:rPr>
+              <a:t>: NUTS Data </a:t>
+            </a:r>
+            <a:r>
+              <a:rPr lang="tr-TR" sz="2400" dirty="0" err="1">
+                <a:latin typeface="Times New Roman" panose="02020603050405020304" pitchFamily="18" charset="0"/>
+                <a:cs typeface="Times New Roman" panose="02020603050405020304" pitchFamily="18" charset="0"/>
+              </a:rPr>
+              <a:t>from</a:t>
+            </a:r>
+            <a:r>
+              <a:rPr lang="tr-TR" sz="2400" dirty="0">
+                <a:latin typeface="Times New Roman" panose="02020603050405020304" pitchFamily="18" charset="0"/>
+                <a:cs typeface="Times New Roman" panose="02020603050405020304" pitchFamily="18" charset="0"/>
+              </a:rPr>
+              <a:t> </a:t>
+            </a:r>
+            <a:r>
+              <a:rPr lang="tr-TR" sz="2400" dirty="0" err="1">
+                <a:latin typeface="Times New Roman" panose="02020603050405020304" pitchFamily="18" charset="0"/>
+                <a:cs typeface="Times New Roman" panose="02020603050405020304" pitchFamily="18" charset="0"/>
+              </a:rPr>
+              <a:t>European</a:t>
+            </a:r>
+            <a:r>
+              <a:rPr lang="tr-TR" sz="2400" dirty="0">
+                <a:latin typeface="Times New Roman" panose="02020603050405020304" pitchFamily="18" charset="0"/>
+                <a:cs typeface="Times New Roman" panose="02020603050405020304" pitchFamily="18" charset="0"/>
+              </a:rPr>
+              <a:t> </a:t>
+            </a:r>
+            <a:r>
+              <a:rPr lang="tr-TR" sz="2400" dirty="0" err="1">
+                <a:latin typeface="Times New Roman" panose="02020603050405020304" pitchFamily="18" charset="0"/>
+                <a:cs typeface="Times New Roman" panose="02020603050405020304" pitchFamily="18" charset="0"/>
+              </a:rPr>
+              <a:t>Union</a:t>
+            </a:r>
+            <a:endParaRPr lang="tr-TR" sz="2400" dirty="0">
+              <a:latin typeface="Times New Roman" panose="02020603050405020304" pitchFamily="18" charset="0"/>
+              <a:cs typeface="Times New Roman" panose="02020603050405020304" pitchFamily="18" charset="0"/>
+            </a:endParaRPr>
+          </a:p>
+          <a:p>
+            <a:pPr lvl="1"/>
+            <a:r>
+              <a:rPr lang="tr-TR" sz="2000" dirty="0">
+                <a:latin typeface="Times New Roman" panose="02020603050405020304" pitchFamily="18" charset="0"/>
+                <a:cs typeface="Times New Roman" panose="02020603050405020304" pitchFamily="18" charset="0"/>
+              </a:rPr>
+              <a:t>11 </a:t>
+            </a:r>
+            <a:r>
+              <a:rPr lang="tr-TR" sz="2000" dirty="0" err="1">
+                <a:latin typeface="Times New Roman" panose="02020603050405020304" pitchFamily="18" charset="0"/>
+                <a:cs typeface="Times New Roman" panose="02020603050405020304" pitchFamily="18" charset="0"/>
+              </a:rPr>
+              <a:t>geographical</a:t>
+            </a:r>
+            <a:r>
+              <a:rPr lang="tr-TR" sz="2000" dirty="0">
+                <a:latin typeface="Times New Roman" panose="02020603050405020304" pitchFamily="18" charset="0"/>
+                <a:cs typeface="Times New Roman" panose="02020603050405020304" pitchFamily="18" charset="0"/>
+              </a:rPr>
+              <a:t> </a:t>
+            </a:r>
+            <a:r>
+              <a:rPr lang="tr-TR" sz="2000" dirty="0" err="1">
+                <a:latin typeface="Times New Roman" panose="02020603050405020304" pitchFamily="18" charset="0"/>
+                <a:cs typeface="Times New Roman" panose="02020603050405020304" pitchFamily="18" charset="0"/>
+              </a:rPr>
+              <a:t>regions</a:t>
+            </a:r>
+            <a:endParaRPr lang="tr-TR" sz="2000" dirty="0">
+              <a:latin typeface="Times New Roman" panose="02020603050405020304" pitchFamily="18" charset="0"/>
+              <a:cs typeface="Times New Roman" panose="02020603050405020304" pitchFamily="18" charset="0"/>
+            </a:endParaRPr>
+          </a:p>
+          <a:p>
+            <a:pPr lvl="1"/>
+            <a:endParaRPr lang="tr-TR" sz="2000" dirty="0">
+              <a:latin typeface="Times New Roman" panose="02020603050405020304" pitchFamily="18" charset="0"/>
+              <a:cs typeface="Times New Roman" panose="02020603050405020304" pitchFamily="18" charset="0"/>
+            </a:endParaRPr>
+          </a:p>
+          <a:p>
+            <a:r>
+              <a:rPr lang="tr-TR" sz="2400" dirty="0" err="1">
+                <a:latin typeface="Times New Roman" panose="02020603050405020304" pitchFamily="18" charset="0"/>
+                <a:cs typeface="Times New Roman" panose="02020603050405020304" pitchFamily="18" charset="0"/>
+              </a:rPr>
+              <a:t>Impact</a:t>
+            </a:r>
+            <a:r>
+              <a:rPr lang="tr-TR" sz="2400" dirty="0">
+                <a:latin typeface="Times New Roman" panose="02020603050405020304" pitchFamily="18" charset="0"/>
+                <a:cs typeface="Times New Roman" panose="02020603050405020304" pitchFamily="18" charset="0"/>
+              </a:rPr>
+              <a:t> of </a:t>
+            </a:r>
+            <a:r>
+              <a:rPr lang="tr-TR" sz="2400" dirty="0" err="1">
+                <a:latin typeface="Times New Roman" panose="02020603050405020304" pitchFamily="18" charset="0"/>
+                <a:cs typeface="Times New Roman" panose="02020603050405020304" pitchFamily="18" charset="0"/>
+              </a:rPr>
+              <a:t>the</a:t>
+            </a:r>
+            <a:r>
+              <a:rPr lang="tr-TR" sz="2400" dirty="0">
+                <a:latin typeface="Times New Roman" panose="02020603050405020304" pitchFamily="18" charset="0"/>
+                <a:cs typeface="Times New Roman" panose="02020603050405020304" pitchFamily="18" charset="0"/>
+              </a:rPr>
+              <a:t> </a:t>
+            </a:r>
+            <a:r>
+              <a:rPr lang="tr-TR" sz="2400" dirty="0" err="1">
+                <a:latin typeface="Times New Roman" panose="02020603050405020304" pitchFamily="18" charset="0"/>
+                <a:cs typeface="Times New Roman" panose="02020603050405020304" pitchFamily="18" charset="0"/>
+              </a:rPr>
+              <a:t>war</a:t>
+            </a:r>
+            <a:r>
+              <a:rPr lang="tr-TR" sz="2400" dirty="0">
+                <a:latin typeface="Times New Roman" panose="02020603050405020304" pitchFamily="18" charset="0"/>
+                <a:cs typeface="Times New Roman" panose="02020603050405020304" pitchFamily="18" charset="0"/>
+              </a:rPr>
+              <a:t>: </a:t>
+            </a:r>
+            <a:r>
+              <a:rPr lang="en-US" sz="2400" dirty="0">
+                <a:latin typeface="Times New Roman" panose="02020603050405020304" pitchFamily="18" charset="0"/>
+                <a:cs typeface="Times New Roman" panose="02020603050405020304" pitchFamily="18" charset="0"/>
+              </a:rPr>
+              <a:t>UCDP Data on Battle Related Deaths</a:t>
+            </a:r>
+            <a:endParaRPr lang="tr-TR" sz="2400" dirty="0">
+              <a:latin typeface="Times New Roman" panose="02020603050405020304" pitchFamily="18" charset="0"/>
+              <a:cs typeface="Times New Roman" panose="02020603050405020304" pitchFamily="18" charset="0"/>
+            </a:endParaRPr>
+          </a:p>
+          <a:p>
+            <a:pPr lvl="1"/>
+            <a:r>
+              <a:rPr lang="en-US" sz="2000" dirty="0">
+                <a:latin typeface="Times New Roman" panose="02020603050405020304" pitchFamily="18" charset="0"/>
+                <a:cs typeface="Times New Roman" panose="02020603050405020304" pitchFamily="18" charset="0"/>
+              </a:rPr>
+              <a:t>Georeferenced Event Dataset (GED) Global version 19.1</a:t>
+            </a:r>
+            <a:endParaRPr lang="tr-TR" sz="2000" dirty="0">
+              <a:latin typeface="Times New Roman" panose="02020603050405020304" pitchFamily="18" charset="0"/>
+              <a:cs typeface="Times New Roman" panose="02020603050405020304" pitchFamily="18" charset="0"/>
+            </a:endParaRPr>
+          </a:p>
+          <a:p>
+            <a:pPr lvl="1"/>
+            <a:r>
+              <a:rPr lang="tr-TR" sz="2000" dirty="0">
+                <a:latin typeface="Times New Roman" panose="02020603050405020304" pitchFamily="18" charset="0"/>
+                <a:cs typeface="Times New Roman" panose="02020603050405020304" pitchFamily="18" charset="0"/>
+              </a:rPr>
+              <a:t>Limited </a:t>
+            </a:r>
+            <a:r>
+              <a:rPr lang="tr-TR" sz="2000" dirty="0" err="1">
+                <a:latin typeface="Times New Roman" panose="02020603050405020304" pitchFamily="18" charset="0"/>
+                <a:cs typeface="Times New Roman" panose="02020603050405020304" pitchFamily="18" charset="0"/>
+              </a:rPr>
+              <a:t>to</a:t>
+            </a:r>
+            <a:r>
+              <a:rPr lang="tr-TR" sz="2000" dirty="0">
+                <a:latin typeface="Times New Roman" panose="02020603050405020304" pitchFamily="18" charset="0"/>
+                <a:cs typeface="Times New Roman" panose="02020603050405020304" pitchFamily="18" charset="0"/>
+              </a:rPr>
+              <a:t> ‘‘</a:t>
+            </a:r>
+            <a:r>
+              <a:rPr lang="tr-TR" sz="2000" dirty="0" err="1">
+                <a:latin typeface="Times New Roman" panose="02020603050405020304" pitchFamily="18" charset="0"/>
+                <a:cs typeface="Times New Roman" panose="02020603050405020304" pitchFamily="18" charset="0"/>
+              </a:rPr>
+              <a:t>Government</a:t>
+            </a:r>
+            <a:r>
+              <a:rPr lang="tr-TR" sz="2000" dirty="0">
+                <a:latin typeface="Times New Roman" panose="02020603050405020304" pitchFamily="18" charset="0"/>
+                <a:cs typeface="Times New Roman" panose="02020603050405020304" pitchFamily="18" charset="0"/>
+              </a:rPr>
+              <a:t> of </a:t>
+            </a:r>
+            <a:r>
+              <a:rPr lang="tr-TR" sz="2000" dirty="0" err="1">
+                <a:latin typeface="Times New Roman" panose="02020603050405020304" pitchFamily="18" charset="0"/>
+                <a:cs typeface="Times New Roman" panose="02020603050405020304" pitchFamily="18" charset="0"/>
+              </a:rPr>
+              <a:t>Turkey</a:t>
+            </a:r>
+            <a:r>
+              <a:rPr lang="tr-TR" sz="2000" dirty="0">
+                <a:latin typeface="Times New Roman" panose="02020603050405020304" pitchFamily="18" charset="0"/>
+                <a:cs typeface="Times New Roman" panose="02020603050405020304" pitchFamily="18" charset="0"/>
+              </a:rPr>
+              <a:t>’’ (</a:t>
+            </a:r>
+            <a:r>
+              <a:rPr lang="tr-TR" sz="2000" dirty="0" err="1">
+                <a:latin typeface="Times New Roman" panose="02020603050405020304" pitchFamily="18" charset="0"/>
+                <a:cs typeface="Times New Roman" panose="02020603050405020304" pitchFamily="18" charset="0"/>
+              </a:rPr>
+              <a:t>June</a:t>
+            </a:r>
+            <a:r>
+              <a:rPr lang="tr-TR" sz="2000" dirty="0">
+                <a:latin typeface="Times New Roman" panose="02020603050405020304" pitchFamily="18" charset="0"/>
+                <a:cs typeface="Times New Roman" panose="02020603050405020304" pitchFamily="18" charset="0"/>
+              </a:rPr>
+              <a:t> 7 – </a:t>
+            </a:r>
+            <a:r>
+              <a:rPr lang="tr-TR" sz="2000" dirty="0" err="1">
+                <a:latin typeface="Times New Roman" panose="02020603050405020304" pitchFamily="18" charset="0"/>
+                <a:cs typeface="Times New Roman" panose="02020603050405020304" pitchFamily="18" charset="0"/>
+              </a:rPr>
+              <a:t>Nov</a:t>
+            </a:r>
+            <a:r>
+              <a:rPr lang="tr-TR" sz="2000" dirty="0">
+                <a:latin typeface="Times New Roman" panose="02020603050405020304" pitchFamily="18" charset="0"/>
+                <a:cs typeface="Times New Roman" panose="02020603050405020304" pitchFamily="18" charset="0"/>
+              </a:rPr>
+              <a:t> 1)</a:t>
+            </a:r>
+            <a:endParaRPr lang="en-US" sz="2000" dirty="0">
+              <a:latin typeface="Times New Roman" panose="02020603050405020304" pitchFamily="18" charset="0"/>
+              <a:cs typeface="Times New Roman" panose="02020603050405020304" pitchFamily="18" charset="0"/>
+            </a:endParaRPr>
+          </a:p>
+        </p:txBody>
+      </p:sp>
+    </p:spTree>
+    <p:extLst>
+      <p:ext uri="{BB962C8B-B14F-4D97-AF65-F5344CB8AC3E}">
+        <p14:creationId xmlns:p14="http://schemas.microsoft.com/office/powerpoint/2010/main" val="2396397587"/>
+      </p:ext>
+    </p:extLst>
+  </p:cSld>
+  <p:clrMapOvr>
+    <a:masterClrMapping/>
+  </p:clrMapOvr>
+</p:sld>
+</file>
+
+<file path=ppt/slides/slide5.xml><?xml version="1.0" encoding="utf-8"?>
+<p:sld xmlns:a="http://schemas.openxmlformats.org/drawingml/2006/main" xmlns:r="http://schemas.openxmlformats.org/officeDocument/2006/relationships" xmlns:p="http://schemas.openxmlformats.org/presentationml/2006/main">
+  <p:cSld>
+    <p:spTree>
+      <p:nvGrpSpPr>
+        <p:cNvPr id="1" name=""/>
+        <p:cNvGrpSpPr/>
+        <p:nvPr/>
+      </p:nvGrpSpPr>
+      <p:grpSpPr>
+        <a:xfrm>
+          <a:off x="0" y="0"/>
+          <a:ext cx="0" cy="0"/>
+          <a:chOff x="0" y="0"/>
+          <a:chExt cx="0" cy="0"/>
+        </a:xfrm>
+      </p:grpSpPr>
+      <p:sp>
+        <p:nvSpPr>
+          <p:cNvPr id="2" name="Title 1">
+            <a:extLst>
+              <a:ext uri="{FF2B5EF4-FFF2-40B4-BE49-F238E27FC236}">
+                <a16:creationId xmlns:a16="http://schemas.microsoft.com/office/drawing/2014/main" id="{1864FD7E-412E-494C-A636-77821C223280}"/>
+              </a:ext>
+            </a:extLst>
+          </p:cNvPr>
+          <p:cNvSpPr>
+            <a:spLocks noGrp="1"/>
+          </p:cNvSpPr>
+          <p:nvPr>
+            <p:ph type="title"/>
+          </p:nvPr>
+        </p:nvSpPr>
+        <p:spPr>
+          <a:xfrm>
+            <a:off x="628650" y="328774"/>
+            <a:ext cx="7886700" cy="1654138"/>
+          </a:xfrm>
+        </p:spPr>
+        <p:txBody>
+          <a:bodyPr>
+            <a:normAutofit/>
+          </a:bodyPr>
+          <a:lstStyle/>
+          <a:p>
+            <a:pPr algn="ctr"/>
+            <a:r>
+              <a:rPr lang="en-US" sz="3600" dirty="0">
+                <a:solidFill>
+                  <a:srgbClr val="990033"/>
+                </a:solidFill>
+                <a:latin typeface="Times New Roman" panose="02020603050405020304" pitchFamily="18" charset="0"/>
+                <a:cs typeface="Times New Roman" panose="02020603050405020304" pitchFamily="18" charset="0"/>
+              </a:rPr>
+              <a:t>Challenges</a:t>
+            </a:r>
+          </a:p>
+        </p:txBody>
+      </p:sp>
+      <p:sp>
+        <p:nvSpPr>
+          <p:cNvPr id="3" name="Content Placeholder 2">
+            <a:extLst>
+              <a:ext uri="{FF2B5EF4-FFF2-40B4-BE49-F238E27FC236}">
+                <a16:creationId xmlns:a16="http://schemas.microsoft.com/office/drawing/2014/main" id="{3FDB1F34-596C-45C9-A772-4DB2110CD5E7}"/>
+              </a:ext>
+            </a:extLst>
+          </p:cNvPr>
+          <p:cNvSpPr>
+            <a:spLocks noGrp="1"/>
+          </p:cNvSpPr>
+          <p:nvPr>
+            <p:ph idx="1"/>
+          </p:nvPr>
+        </p:nvSpPr>
+        <p:spPr>
+          <a:xfrm>
+            <a:off x="628650" y="2245494"/>
+            <a:ext cx="7886700" cy="3859550"/>
+          </a:xfrm>
+        </p:spPr>
+        <p:txBody>
+          <a:bodyPr>
+            <a:normAutofit/>
+          </a:bodyPr>
+          <a:lstStyle/>
+          <a:p>
+            <a:r>
+              <a:rPr lang="en-US" sz="2400" dirty="0">
+                <a:latin typeface="Times New Roman" panose="02020603050405020304" pitchFamily="18" charset="0"/>
+                <a:cs typeface="Times New Roman" panose="02020603050405020304" pitchFamily="18" charset="0"/>
+              </a:rPr>
+              <a:t>Turkish alphabet, special characters, inconsistent</a:t>
+            </a:r>
+            <a:r>
+              <a:rPr lang="tr-TR" sz="2400" dirty="0">
+                <a:latin typeface="Times New Roman" panose="02020603050405020304" pitchFamily="18" charset="0"/>
+                <a:cs typeface="Times New Roman" panose="02020603050405020304" pitchFamily="18" charset="0"/>
+              </a:rPr>
+              <a:t> </a:t>
+            </a:r>
+            <a:r>
+              <a:rPr lang="en-US" sz="2400" dirty="0">
+                <a:latin typeface="Times New Roman" panose="02020603050405020304" pitchFamily="18" charset="0"/>
+                <a:cs typeface="Times New Roman" panose="02020603050405020304" pitchFamily="18" charset="0"/>
+              </a:rPr>
+              <a:t>bureaucrats</a:t>
+            </a:r>
+            <a:r>
+              <a:rPr lang="tr-TR" sz="2400" dirty="0">
+                <a:latin typeface="Times New Roman" panose="02020603050405020304" pitchFamily="18" charset="0"/>
+                <a:cs typeface="Times New Roman" panose="02020603050405020304" pitchFamily="18" charset="0"/>
+              </a:rPr>
+              <a:t>, </a:t>
+            </a:r>
+            <a:r>
+              <a:rPr lang="tr-TR" sz="2400" dirty="0" err="1">
+                <a:latin typeface="Times New Roman" panose="02020603050405020304" pitchFamily="18" charset="0"/>
+                <a:cs typeface="Times New Roman" panose="02020603050405020304" pitchFamily="18" charset="0"/>
+              </a:rPr>
+              <a:t>bizarre</a:t>
+            </a:r>
+            <a:r>
+              <a:rPr lang="tr-TR" sz="2400" dirty="0">
+                <a:latin typeface="Times New Roman" panose="02020603050405020304" pitchFamily="18" charset="0"/>
+                <a:cs typeface="Times New Roman" panose="02020603050405020304" pitchFamily="18" charset="0"/>
+              </a:rPr>
+              <a:t> </a:t>
+            </a:r>
+            <a:r>
+              <a:rPr lang="tr-TR" sz="2400" dirty="0" err="1">
+                <a:latin typeface="Times New Roman" panose="02020603050405020304" pitchFamily="18" charset="0"/>
+                <a:cs typeface="Times New Roman" panose="02020603050405020304" pitchFamily="18" charset="0"/>
+              </a:rPr>
+              <a:t>district</a:t>
+            </a:r>
+            <a:r>
+              <a:rPr lang="en-US" sz="2400" dirty="0">
+                <a:latin typeface="Times New Roman" panose="02020603050405020304" pitchFamily="18" charset="0"/>
+                <a:cs typeface="Times New Roman" panose="02020603050405020304" pitchFamily="18" charset="0"/>
+              </a:rPr>
+              <a:t> </a:t>
+            </a:r>
+            <a:r>
+              <a:rPr lang="en-US" sz="2400" dirty="0" err="1">
+                <a:latin typeface="Times New Roman" panose="02020603050405020304" pitchFamily="18" charset="0"/>
+                <a:cs typeface="Times New Roman" panose="02020603050405020304" pitchFamily="18" charset="0"/>
+              </a:rPr>
+              <a:t>nam</a:t>
+            </a:r>
+            <a:r>
+              <a:rPr lang="tr-TR" sz="2400" dirty="0">
+                <a:latin typeface="Times New Roman" panose="02020603050405020304" pitchFamily="18" charset="0"/>
+                <a:cs typeface="Times New Roman" panose="02020603050405020304" pitchFamily="18" charset="0"/>
+              </a:rPr>
+              <a:t>e </a:t>
+            </a:r>
+            <a:r>
+              <a:rPr lang="tr-TR" sz="2400" dirty="0" err="1">
+                <a:latin typeface="Times New Roman" panose="02020603050405020304" pitchFamily="18" charset="0"/>
+                <a:cs typeface="Times New Roman" panose="02020603050405020304" pitchFamily="18" charset="0"/>
+              </a:rPr>
+              <a:t>coding</a:t>
+            </a:r>
+            <a:r>
+              <a:rPr lang="tr-TR" sz="2400" dirty="0">
+                <a:latin typeface="Times New Roman" panose="02020603050405020304" pitchFamily="18" charset="0"/>
+                <a:cs typeface="Times New Roman" panose="02020603050405020304" pitchFamily="18" charset="0"/>
+              </a:rPr>
+              <a:t> </a:t>
+            </a:r>
+            <a:r>
+              <a:rPr lang="tr-TR" sz="2400" dirty="0" err="1">
+                <a:latin typeface="Times New Roman" panose="02020603050405020304" pitchFamily="18" charset="0"/>
+                <a:cs typeface="Times New Roman" panose="02020603050405020304" pitchFamily="18" charset="0"/>
+              </a:rPr>
+              <a:t>conventions</a:t>
+            </a:r>
+            <a:endParaRPr lang="tr-TR" sz="2400" dirty="0">
+              <a:latin typeface="Times New Roman" panose="02020603050405020304" pitchFamily="18" charset="0"/>
+              <a:cs typeface="Times New Roman" panose="02020603050405020304" pitchFamily="18" charset="0"/>
+            </a:endParaRPr>
+          </a:p>
+          <a:p>
+            <a:endParaRPr lang="tr-TR" sz="2400" dirty="0">
+              <a:latin typeface="Times New Roman" panose="02020603050405020304" pitchFamily="18" charset="0"/>
+              <a:cs typeface="Times New Roman" panose="02020603050405020304" pitchFamily="18" charset="0"/>
+            </a:endParaRPr>
+          </a:p>
+          <a:p>
+            <a:endParaRPr lang="tr-TR" sz="2400" dirty="0">
+              <a:latin typeface="Times New Roman" panose="02020603050405020304" pitchFamily="18" charset="0"/>
+              <a:cs typeface="Times New Roman" panose="02020603050405020304" pitchFamily="18" charset="0"/>
+            </a:endParaRPr>
+          </a:p>
+          <a:p>
+            <a:endParaRPr lang="tr-TR" sz="2400" dirty="0">
+              <a:latin typeface="Times New Roman" panose="02020603050405020304" pitchFamily="18" charset="0"/>
+              <a:cs typeface="Times New Roman" panose="02020603050405020304" pitchFamily="18" charset="0"/>
+            </a:endParaRPr>
+          </a:p>
+          <a:p>
+            <a:r>
+              <a:rPr lang="tr-TR" sz="2400" dirty="0">
+                <a:latin typeface="Times New Roman" panose="02020603050405020304" pitchFamily="18" charset="0"/>
+                <a:cs typeface="Times New Roman" panose="02020603050405020304" pitchFamily="18" charset="0"/>
+              </a:rPr>
+              <a:t>Reading </a:t>
+            </a:r>
+            <a:r>
+              <a:rPr lang="tr-TR" sz="2400" dirty="0" err="1">
+                <a:latin typeface="Times New Roman" panose="02020603050405020304" pitchFamily="18" charset="0"/>
+                <a:cs typeface="Times New Roman" panose="02020603050405020304" pitchFamily="18" charset="0"/>
+              </a:rPr>
+              <a:t>PDFs</a:t>
+            </a:r>
+            <a:r>
+              <a:rPr lang="tr-TR" sz="2400" dirty="0">
+                <a:latin typeface="Times New Roman" panose="02020603050405020304" pitchFamily="18" charset="0"/>
+                <a:cs typeface="Times New Roman" panose="02020603050405020304" pitchFamily="18" charset="0"/>
+              </a:rPr>
+              <a:t> </a:t>
+            </a:r>
+            <a:r>
+              <a:rPr lang="tr-TR" sz="2400" dirty="0" err="1">
+                <a:latin typeface="Times New Roman" panose="02020603050405020304" pitchFamily="18" charset="0"/>
+                <a:cs typeface="Times New Roman" panose="02020603050405020304" pitchFamily="18" charset="0"/>
+              </a:rPr>
+              <a:t>and</a:t>
+            </a:r>
+            <a:r>
+              <a:rPr lang="tr-TR" sz="2400" dirty="0">
+                <a:latin typeface="Times New Roman" panose="02020603050405020304" pitchFamily="18" charset="0"/>
+                <a:cs typeface="Times New Roman" panose="02020603050405020304" pitchFamily="18" charset="0"/>
+              </a:rPr>
+              <a:t> Excel </a:t>
+            </a:r>
+            <a:r>
+              <a:rPr lang="tr-TR" sz="2400" dirty="0" err="1">
+                <a:latin typeface="Times New Roman" panose="02020603050405020304" pitchFamily="18" charset="0"/>
+                <a:cs typeface="Times New Roman" panose="02020603050405020304" pitchFamily="18" charset="0"/>
+              </a:rPr>
+              <a:t>documents</a:t>
+            </a:r>
+            <a:r>
+              <a:rPr lang="tr-TR" sz="2400" dirty="0">
+                <a:latin typeface="Times New Roman" panose="02020603050405020304" pitchFamily="18" charset="0"/>
+                <a:cs typeface="Times New Roman" panose="02020603050405020304" pitchFamily="18" charset="0"/>
+              </a:rPr>
+              <a:t> in R</a:t>
+            </a:r>
+          </a:p>
+          <a:p>
+            <a:endParaRPr lang="tr-TR" sz="2400" dirty="0">
+              <a:latin typeface="Times New Roman" panose="02020603050405020304" pitchFamily="18" charset="0"/>
+              <a:cs typeface="Times New Roman" panose="02020603050405020304" pitchFamily="18" charset="0"/>
+            </a:endParaRPr>
+          </a:p>
+        </p:txBody>
+      </p:sp>
+      <p:graphicFrame>
+        <p:nvGraphicFramePr>
+          <p:cNvPr id="4" name="Table 4">
+            <a:extLst>
+              <a:ext uri="{FF2B5EF4-FFF2-40B4-BE49-F238E27FC236}">
+                <a16:creationId xmlns:a16="http://schemas.microsoft.com/office/drawing/2014/main" id="{88F98C70-6C38-4AC0-B263-A6667DA515C0}"/>
+              </a:ext>
+            </a:extLst>
+          </p:cNvPr>
+          <p:cNvGraphicFramePr>
+            <a:graphicFrameLocks noGrp="1"/>
+          </p:cNvGraphicFramePr>
+          <p:nvPr>
+            <p:extLst>
+              <p:ext uri="{D42A27DB-BD31-4B8C-83A1-F6EECF244321}">
+                <p14:modId xmlns:p14="http://schemas.microsoft.com/office/powerpoint/2010/main" val="2246696568"/>
+              </p:ext>
+            </p:extLst>
+          </p:nvPr>
+        </p:nvGraphicFramePr>
+        <p:xfrm>
+          <a:off x="1472629" y="3262673"/>
+          <a:ext cx="5996685" cy="741680"/>
+        </p:xfrm>
+        <a:graphic>
+          <a:graphicData uri="http://schemas.openxmlformats.org/drawingml/2006/table">
+            <a:tbl>
+              <a:tblPr bandRow="1">
+                <a:tableStyleId>{F2DE63D5-997A-4646-A377-4702673A728D}</a:tableStyleId>
+              </a:tblPr>
+              <a:tblGrid>
+                <a:gridCol w="1199337">
+                  <a:extLst>
+                    <a:ext uri="{9D8B030D-6E8A-4147-A177-3AD203B41FA5}">
+                      <a16:colId xmlns:a16="http://schemas.microsoft.com/office/drawing/2014/main" val="707130536"/>
+                    </a:ext>
+                  </a:extLst>
+                </a:gridCol>
+                <a:gridCol w="1199337">
+                  <a:extLst>
+                    <a:ext uri="{9D8B030D-6E8A-4147-A177-3AD203B41FA5}">
+                      <a16:colId xmlns:a16="http://schemas.microsoft.com/office/drawing/2014/main" val="502008678"/>
+                    </a:ext>
+                  </a:extLst>
+                </a:gridCol>
+                <a:gridCol w="3598011">
+                  <a:extLst>
+                    <a:ext uri="{9D8B030D-6E8A-4147-A177-3AD203B41FA5}">
+                      <a16:colId xmlns:a16="http://schemas.microsoft.com/office/drawing/2014/main" val="1659334685"/>
+                    </a:ext>
+                  </a:extLst>
+                </a:gridCol>
+              </a:tblGrid>
+              <a:tr h="370840">
+                <a:tc>
+                  <a:txBody>
+                    <a:bodyPr/>
+                    <a:lstStyle/>
+                    <a:p>
+                      <a:pPr algn="ctr"/>
+                      <a:r>
+                        <a:rPr lang="tr-TR" dirty="0">
+                          <a:latin typeface="Times New Roman" panose="02020603050405020304" pitchFamily="18" charset="0"/>
+                          <a:cs typeface="Times New Roman" panose="02020603050405020304" pitchFamily="18" charset="0"/>
+                        </a:rPr>
+                        <a:t>I </a:t>
+                      </a:r>
+                      <a:r>
+                        <a:rPr lang="tr-TR" sz="1800" dirty="0">
+                          <a:latin typeface="Times New Roman" panose="02020603050405020304" pitchFamily="18" charset="0"/>
+                          <a:ea typeface="Malgun Gothic" panose="020B0503020000020004" pitchFamily="34" charset="-127"/>
+                          <a:cs typeface="Times New Roman" panose="02020603050405020304" pitchFamily="18" charset="0"/>
+                        </a:rPr>
+                        <a:t>→ ı</a:t>
+                      </a:r>
+                      <a:endParaRPr lang="en-US" dirty="0">
+                        <a:latin typeface="Times New Roman" panose="02020603050405020304" pitchFamily="18" charset="0"/>
+                        <a:cs typeface="Times New Roman" panose="02020603050405020304" pitchFamily="18" charset="0"/>
+                      </a:endParaRPr>
+                    </a:p>
+                  </a:txBody>
+                  <a:tcPr>
+                    <a:solidFill>
+                      <a:schemeClr val="bg2"/>
+                    </a:solidFill>
+                  </a:tcPr>
+                </a:tc>
+                <a:tc>
+                  <a:txBody>
+                    <a:bodyPr/>
+                    <a:lstStyle/>
+                    <a:p>
+                      <a:pPr algn="ctr"/>
+                      <a:r>
+                        <a:rPr lang="tr-TR" dirty="0">
+                          <a:latin typeface="Times New Roman" panose="02020603050405020304" pitchFamily="18" charset="0"/>
+                          <a:cs typeface="Times New Roman" panose="02020603050405020304" pitchFamily="18" charset="0"/>
+                        </a:rPr>
+                        <a:t>Ş </a:t>
+                      </a:r>
+                      <a:r>
+                        <a:rPr lang="tr-TR" sz="1800" dirty="0">
+                          <a:latin typeface="Times New Roman" panose="02020603050405020304" pitchFamily="18" charset="0"/>
+                          <a:ea typeface="Malgun Gothic" panose="020B0503020000020004" pitchFamily="34" charset="-127"/>
+                          <a:cs typeface="Times New Roman" panose="02020603050405020304" pitchFamily="18" charset="0"/>
+                        </a:rPr>
+                        <a:t>→ S</a:t>
+                      </a:r>
+                      <a:endParaRPr lang="en-US" dirty="0">
+                        <a:latin typeface="Times New Roman" panose="02020603050405020304" pitchFamily="18" charset="0"/>
+                        <a:cs typeface="Times New Roman" panose="02020603050405020304" pitchFamily="18" charset="0"/>
+                      </a:endParaRPr>
+                    </a:p>
+                  </a:txBody>
+                  <a:tcPr>
+                    <a:solidFill>
+                      <a:schemeClr val="bg2"/>
+                    </a:solidFill>
+                  </a:tcPr>
+                </a:tc>
+                <a:tc>
+                  <a:txBody>
+                    <a:bodyPr/>
+                    <a:lstStyle/>
+                    <a:p>
+                      <a:pPr algn="ctr"/>
+                      <a:r>
+                        <a:rPr lang="tr-TR" dirty="0">
+                          <a:latin typeface="Times New Roman" panose="02020603050405020304" pitchFamily="18" charset="0"/>
+                          <a:cs typeface="Times New Roman" panose="02020603050405020304" pitchFamily="18" charset="0"/>
+                        </a:rPr>
+                        <a:t>İstanbul </a:t>
+                      </a:r>
+                      <a:r>
+                        <a:rPr lang="tr-TR" sz="1800" dirty="0">
+                          <a:latin typeface="Times New Roman" panose="02020603050405020304" pitchFamily="18" charset="0"/>
+                          <a:ea typeface="Malgun Gothic" panose="020B0503020000020004" pitchFamily="34" charset="-127"/>
+                          <a:cs typeface="Times New Roman" panose="02020603050405020304" pitchFamily="18" charset="0"/>
+                        </a:rPr>
+                        <a:t>→ </a:t>
+                      </a:r>
+                      <a:r>
+                        <a:rPr lang="tr-TR" sz="1800" dirty="0" err="1">
+                          <a:latin typeface="Times New Roman" panose="02020603050405020304" pitchFamily="18" charset="0"/>
+                          <a:ea typeface="Malgun Gothic" panose="020B0503020000020004" pitchFamily="34" charset="-127"/>
+                          <a:cs typeface="Times New Roman" panose="02020603050405020304" pitchFamily="18" charset="0"/>
+                        </a:rPr>
+                        <a:t>istanbul</a:t>
+                      </a:r>
+                      <a:endParaRPr lang="en-US" dirty="0">
+                        <a:latin typeface="Times New Roman" panose="02020603050405020304" pitchFamily="18" charset="0"/>
+                        <a:cs typeface="Times New Roman" panose="02020603050405020304" pitchFamily="18" charset="0"/>
+                      </a:endParaRPr>
+                    </a:p>
+                  </a:txBody>
+                  <a:tcPr>
+                    <a:solidFill>
+                      <a:schemeClr val="bg2"/>
+                    </a:solidFill>
+                  </a:tcPr>
+                </a:tc>
+                <a:extLst>
+                  <a:ext uri="{0D108BD9-81ED-4DB2-BD59-A6C34878D82A}">
+                    <a16:rowId xmlns:a16="http://schemas.microsoft.com/office/drawing/2014/main" val="3978567858"/>
+                  </a:ext>
+                </a:extLst>
+              </a:tr>
+              <a:tr h="370840">
+                <a:tc>
+                  <a:txBody>
+                    <a:bodyPr/>
+                    <a:lstStyle/>
+                    <a:p>
+                      <a:pPr algn="ctr"/>
+                      <a:r>
+                        <a:rPr lang="tr-TR" dirty="0">
+                          <a:latin typeface="Times New Roman" panose="02020603050405020304" pitchFamily="18" charset="0"/>
+                          <a:cs typeface="Times New Roman" panose="02020603050405020304" pitchFamily="18" charset="0"/>
+                        </a:rPr>
+                        <a:t>İ </a:t>
+                      </a:r>
+                      <a:r>
+                        <a:rPr lang="tr-TR" sz="1800" dirty="0">
+                          <a:latin typeface="Times New Roman" panose="02020603050405020304" pitchFamily="18" charset="0"/>
+                          <a:ea typeface="Malgun Gothic" panose="020B0503020000020004" pitchFamily="34" charset="-127"/>
+                          <a:cs typeface="Times New Roman" panose="02020603050405020304" pitchFamily="18" charset="0"/>
+                        </a:rPr>
+                        <a:t>→ i</a:t>
+                      </a:r>
+                      <a:endParaRPr lang="en-US" dirty="0">
+                        <a:latin typeface="Times New Roman" panose="02020603050405020304" pitchFamily="18" charset="0"/>
+                        <a:cs typeface="Times New Roman" panose="02020603050405020304" pitchFamily="18" charset="0"/>
+                      </a:endParaRPr>
+                    </a:p>
+                  </a:txBody>
+                  <a:tcPr>
+                    <a:solidFill>
+                      <a:schemeClr val="bg2"/>
+                    </a:solidFill>
+                  </a:tcPr>
+                </a:tc>
+                <a:tc>
+                  <a:txBody>
+                    <a:bodyPr/>
+                    <a:lstStyle/>
+                    <a:p>
+                      <a:pPr algn="ctr"/>
+                      <a:r>
+                        <a:rPr lang="tr-TR" dirty="0">
+                          <a:latin typeface="Times New Roman" panose="02020603050405020304" pitchFamily="18" charset="0"/>
+                          <a:cs typeface="Times New Roman" panose="02020603050405020304" pitchFamily="18" charset="0"/>
+                        </a:rPr>
+                        <a:t>Ç </a:t>
+                      </a:r>
+                      <a:r>
+                        <a:rPr lang="tr-TR" sz="1800" dirty="0">
+                          <a:latin typeface="Times New Roman" panose="02020603050405020304" pitchFamily="18" charset="0"/>
+                          <a:ea typeface="Malgun Gothic" panose="020B0503020000020004" pitchFamily="34" charset="-127"/>
+                          <a:cs typeface="Times New Roman" panose="02020603050405020304" pitchFamily="18" charset="0"/>
+                        </a:rPr>
+                        <a:t>→ C</a:t>
+                      </a:r>
+                      <a:endParaRPr lang="en-US" dirty="0">
+                        <a:latin typeface="Times New Roman" panose="02020603050405020304" pitchFamily="18" charset="0"/>
+                        <a:cs typeface="Times New Roman" panose="02020603050405020304" pitchFamily="18" charset="0"/>
+                      </a:endParaRPr>
+                    </a:p>
+                  </a:txBody>
+                  <a:tcPr>
+                    <a:solidFill>
+                      <a:schemeClr val="bg2"/>
+                    </a:solidFill>
+                  </a:tcPr>
+                </a:tc>
+                <a:tc>
+                  <a:txBody>
+                    <a:bodyPr/>
+                    <a:lstStyle/>
+                    <a:p>
+                      <a:pPr algn="ctr"/>
+                      <a:r>
+                        <a:rPr lang="tr-TR" dirty="0">
+                          <a:latin typeface="Times New Roman" panose="02020603050405020304" pitchFamily="18" charset="0"/>
+                          <a:cs typeface="Times New Roman" panose="02020603050405020304" pitchFamily="18" charset="0"/>
+                        </a:rPr>
+                        <a:t>Iğdır </a:t>
+                      </a:r>
+                      <a:r>
+                        <a:rPr lang="tr-TR" sz="1800" dirty="0">
+                          <a:latin typeface="Times New Roman" panose="02020603050405020304" pitchFamily="18" charset="0"/>
+                          <a:ea typeface="Malgun Gothic" panose="020B0503020000020004" pitchFamily="34" charset="-127"/>
+                          <a:cs typeface="Times New Roman" panose="02020603050405020304" pitchFamily="18" charset="0"/>
+                        </a:rPr>
+                        <a:t>→ </a:t>
+                      </a:r>
+                      <a:r>
+                        <a:rPr lang="tr-TR" sz="1800" dirty="0" err="1">
+                          <a:latin typeface="Times New Roman" panose="02020603050405020304" pitchFamily="18" charset="0"/>
+                          <a:ea typeface="Malgun Gothic" panose="020B0503020000020004" pitchFamily="34" charset="-127"/>
+                          <a:cs typeface="Times New Roman" panose="02020603050405020304" pitchFamily="18" charset="0"/>
+                        </a:rPr>
+                        <a:t>Igdir</a:t>
+                      </a:r>
+                      <a:r>
+                        <a:rPr lang="tr-TR" sz="1800" dirty="0">
+                          <a:latin typeface="Times New Roman" panose="02020603050405020304" pitchFamily="18" charset="0"/>
+                          <a:ea typeface="Malgun Gothic" panose="020B0503020000020004" pitchFamily="34" charset="-127"/>
+                          <a:cs typeface="Times New Roman" panose="02020603050405020304" pitchFamily="18" charset="0"/>
+                        </a:rPr>
+                        <a:t> / </a:t>
+                      </a:r>
+                      <a:r>
+                        <a:rPr lang="tr-TR" sz="1800" dirty="0" err="1">
+                          <a:latin typeface="Times New Roman" panose="02020603050405020304" pitchFamily="18" charset="0"/>
+                          <a:ea typeface="Malgun Gothic" panose="020B0503020000020004" pitchFamily="34" charset="-127"/>
+                          <a:cs typeface="Times New Roman" panose="02020603050405020304" pitchFamily="18" charset="0"/>
+                        </a:rPr>
+                        <a:t>igdir</a:t>
+                      </a:r>
+                      <a:endParaRPr lang="en-US" dirty="0">
+                        <a:latin typeface="Times New Roman" panose="02020603050405020304" pitchFamily="18" charset="0"/>
+                        <a:cs typeface="Times New Roman" panose="02020603050405020304" pitchFamily="18" charset="0"/>
+                      </a:endParaRPr>
+                    </a:p>
+                  </a:txBody>
+                  <a:tcPr>
+                    <a:solidFill>
+                      <a:schemeClr val="bg2"/>
+                    </a:solidFill>
+                  </a:tcPr>
+                </a:tc>
+                <a:extLst>
+                  <a:ext uri="{0D108BD9-81ED-4DB2-BD59-A6C34878D82A}">
+                    <a16:rowId xmlns:a16="http://schemas.microsoft.com/office/drawing/2014/main" val="624652375"/>
+                  </a:ext>
+                </a:extLst>
+              </a:tr>
+            </a:tbl>
+          </a:graphicData>
+        </a:graphic>
+      </p:graphicFrame>
+    </p:spTree>
+    <p:extLst>
+      <p:ext uri="{BB962C8B-B14F-4D97-AF65-F5344CB8AC3E}">
+        <p14:creationId xmlns:p14="http://schemas.microsoft.com/office/powerpoint/2010/main" val="1186637285"/>
+      </p:ext>
+    </p:extLst>
+  </p:cSld>
+  <p:clrMapOvr>
+    <a:masterClrMapping/>
+  </p:clrMapOvr>
+</p:sld>
+</file>
+
+<file path=ppt/slides/slide6.xml><?xml version="1.0" encoding="utf-8"?>
+<p:sld xmlns:a="http://schemas.openxmlformats.org/drawingml/2006/main" xmlns:r="http://schemas.openxmlformats.org/officeDocument/2006/relationships" xmlns:p="http://schemas.openxmlformats.org/presentationml/2006/main">
+  <p:cSld>
+    <p:spTree>
+      <p:nvGrpSpPr>
+        <p:cNvPr id="1" name=""/>
+        <p:cNvGrpSpPr/>
+        <p:nvPr/>
+      </p:nvGrpSpPr>
+      <p:grpSpPr>
+        <a:xfrm>
+          <a:off x="0" y="0"/>
+          <a:ext cx="0" cy="0"/>
+          <a:chOff x="0" y="0"/>
+          <a:chExt cx="0" cy="0"/>
+        </a:xfrm>
+      </p:grpSpPr>
+      <p:sp>
+        <p:nvSpPr>
+          <p:cNvPr id="2" name="Title 1">
+            <a:extLst>
+              <a:ext uri="{FF2B5EF4-FFF2-40B4-BE49-F238E27FC236}">
+                <a16:creationId xmlns:a16="http://schemas.microsoft.com/office/drawing/2014/main" id="{1864FD7E-412E-494C-A636-77821C223280}"/>
+              </a:ext>
+            </a:extLst>
+          </p:cNvPr>
+          <p:cNvSpPr>
+            <a:spLocks noGrp="1"/>
+          </p:cNvSpPr>
+          <p:nvPr>
+            <p:ph type="title"/>
+          </p:nvPr>
+        </p:nvSpPr>
+        <p:spPr>
+          <a:xfrm>
+            <a:off x="628650" y="685882"/>
+            <a:ext cx="7886700" cy="866018"/>
+          </a:xfrm>
+        </p:spPr>
+        <p:txBody>
+          <a:bodyPr>
+            <a:normAutofit/>
+          </a:bodyPr>
+          <a:lstStyle/>
+          <a:p>
+            <a:pPr algn="ctr"/>
+            <a:r>
+              <a:rPr lang="tr-TR" sz="3600" dirty="0" err="1">
+                <a:solidFill>
+                  <a:srgbClr val="990033"/>
+                </a:solidFill>
+                <a:latin typeface="Times New Roman" panose="02020603050405020304" pitchFamily="18" charset="0"/>
+                <a:cs typeface="Times New Roman" panose="02020603050405020304" pitchFamily="18" charset="0"/>
+              </a:rPr>
+              <a:t>Results</a:t>
+            </a:r>
+            <a:endParaRPr lang="en-US" sz="3600" dirty="0">
+              <a:solidFill>
+                <a:srgbClr val="990033"/>
+              </a:solidFill>
+              <a:latin typeface="Times New Roman" panose="02020603050405020304" pitchFamily="18" charset="0"/>
+              <a:cs typeface="Times New Roman" panose="02020603050405020304" pitchFamily="18" charset="0"/>
+            </a:endParaRPr>
+          </a:p>
+        </p:txBody>
+      </p:sp>
+      <p:pic>
+        <p:nvPicPr>
+          <p:cNvPr id="7" name="Picture 6" descr="A picture containing drawing&#10;&#10;Description automatically generated">
+            <a:extLst>
+              <a:ext uri="{FF2B5EF4-FFF2-40B4-BE49-F238E27FC236}">
+                <a16:creationId xmlns:a16="http://schemas.microsoft.com/office/drawing/2014/main" id="{B7CC3C46-567A-486A-8263-5BE5BBEE0239}"/>
+              </a:ext>
+            </a:extLst>
+          </p:cNvPr>
+          <p:cNvPicPr>
+            <a:picLocks noChangeAspect="1"/>
+          </p:cNvPicPr>
+          <p:nvPr/>
+        </p:nvPicPr>
+        <p:blipFill>
+          <a:blip r:embed="rId2">
+            <a:extLst>
+              <a:ext uri="{28A0092B-C50C-407E-A947-70E740481C1C}">
+                <a14:useLocalDpi xmlns:a14="http://schemas.microsoft.com/office/drawing/2010/main" val="0"/>
+              </a:ext>
+            </a:extLst>
+          </a:blip>
+          <a:stretch>
+            <a:fillRect/>
+          </a:stretch>
+        </p:blipFill>
+        <p:spPr>
+          <a:xfrm>
+            <a:off x="154113" y="2024009"/>
+            <a:ext cx="4585094" cy="4585094"/>
+          </a:xfrm>
+          <a:prstGeom prst="rect">
+            <a:avLst/>
+          </a:prstGeom>
+          <a:ln w="12700">
+            <a:solidFill>
+              <a:schemeClr val="tx1"/>
+            </a:solidFill>
+          </a:ln>
+        </p:spPr>
+      </p:pic>
+      <p:pic>
+        <p:nvPicPr>
+          <p:cNvPr id="9" name="Picture 8" descr="A close up of text on a white background&#10;&#10;Description automatically generated">
+            <a:extLst>
+              <a:ext uri="{FF2B5EF4-FFF2-40B4-BE49-F238E27FC236}">
+                <a16:creationId xmlns:a16="http://schemas.microsoft.com/office/drawing/2014/main" id="{F9E7AFCC-1F1B-4BFC-A4B6-DB4C5B8C9D92}"/>
+              </a:ext>
+            </a:extLst>
+          </p:cNvPr>
+          <p:cNvPicPr>
+            <a:picLocks noChangeAspect="1"/>
+          </p:cNvPicPr>
+          <p:nvPr/>
+        </p:nvPicPr>
+        <p:blipFill>
+          <a:blip r:embed="rId3">
+            <a:extLst>
+              <a:ext uri="{28A0092B-C50C-407E-A947-70E740481C1C}">
+                <a14:useLocalDpi xmlns:a14="http://schemas.microsoft.com/office/drawing/2010/main" val="0"/>
+              </a:ext>
+            </a:extLst>
+          </a:blip>
+          <a:stretch>
+            <a:fillRect/>
+          </a:stretch>
+        </p:blipFill>
+        <p:spPr>
+          <a:xfrm>
+            <a:off x="4404795" y="2024009"/>
+            <a:ext cx="4585094" cy="4585094"/>
+          </a:xfrm>
+          <a:prstGeom prst="rect">
+            <a:avLst/>
+          </a:prstGeom>
+          <a:ln w="6350">
+            <a:solidFill>
+              <a:schemeClr val="tx1"/>
+            </a:solidFill>
+          </a:ln>
+        </p:spPr>
+      </p:pic>
+    </p:spTree>
+    <p:extLst>
+      <p:ext uri="{BB962C8B-B14F-4D97-AF65-F5344CB8AC3E}">
+        <p14:creationId xmlns:p14="http://schemas.microsoft.com/office/powerpoint/2010/main" val="2994723429"/>
+      </p:ext>
+    </p:extLst>
+  </p:cSld>
+  <p:clrMapOvr>
+    <a:masterClrMapping/>
+  </p:clrMapOvr>
+</p:sld>
+</file>
+
+<file path=ppt/slides/slide7.xml><?xml version="1.0" encoding="utf-8"?>
+<p:sld xmlns:a="http://schemas.openxmlformats.org/drawingml/2006/main" xmlns:r="http://schemas.openxmlformats.org/officeDocument/2006/relationships" xmlns:p="http://schemas.openxmlformats.org/presentationml/2006/main">
+  <p:cSld>
+    <p:bg>
+      <p:bgPr>
+        <a:solidFill>
+          <a:schemeClr val="bg1"/>
+        </a:solidFill>
+        <a:effectLst/>
+      </p:bgPr>
+    </p:bg>
+    <p:spTree>
+      <p:nvGrpSpPr>
+        <p:cNvPr id="1" name=""/>
+        <p:cNvGrpSpPr/>
+        <p:nvPr/>
+      </p:nvGrpSpPr>
+      <p:grpSpPr>
+        <a:xfrm>
+          <a:off x="0" y="0"/>
+          <a:ext cx="0" cy="0"/>
+          <a:chOff x="0" y="0"/>
+          <a:chExt cx="0" cy="0"/>
+        </a:xfrm>
+      </p:grpSpPr>
+      <p:sp>
+        <p:nvSpPr>
+          <p:cNvPr id="2" name="Title 1">
+            <a:extLst>
+              <a:ext uri="{FF2B5EF4-FFF2-40B4-BE49-F238E27FC236}">
+                <a16:creationId xmlns:a16="http://schemas.microsoft.com/office/drawing/2014/main" id="{1864FD7E-412E-494C-A636-77821C223280}"/>
+              </a:ext>
+            </a:extLst>
+          </p:cNvPr>
+          <p:cNvSpPr>
+            <a:spLocks noGrp="1"/>
+          </p:cNvSpPr>
+          <p:nvPr>
+            <p:ph type="title"/>
+          </p:nvPr>
+        </p:nvSpPr>
+        <p:spPr>
+          <a:xfrm>
+            <a:off x="635508" y="300505"/>
+            <a:ext cx="7879842" cy="1197864"/>
+          </a:xfrm>
+        </p:spPr>
+        <p:txBody>
+          <a:bodyPr vert="horz" lIns="91440" tIns="45720" rIns="91440" bIns="45720" rtlCol="0" anchor="b">
+            <a:normAutofit/>
+          </a:bodyPr>
+          <a:lstStyle/>
+          <a:p>
+            <a:pPr algn="ctr"/>
+            <a:r>
+              <a:rPr lang="en-US" sz="3600" dirty="0">
+                <a:solidFill>
+                  <a:srgbClr val="990033"/>
+                </a:solidFill>
+                <a:latin typeface="Times New Roman" panose="02020603050405020304" pitchFamily="18" charset="0"/>
+                <a:cs typeface="Times New Roman" panose="02020603050405020304" pitchFamily="18" charset="0"/>
+              </a:rPr>
+              <a:t>Results</a:t>
+            </a:r>
+          </a:p>
+        </p:txBody>
+      </p:sp>
+      <p:pic>
+        <p:nvPicPr>
+          <p:cNvPr id="4" name="Picture 3" descr="A close up of a map&#10;&#10;Description automatically generated">
+            <a:extLst>
+              <a:ext uri="{FF2B5EF4-FFF2-40B4-BE49-F238E27FC236}">
+                <a16:creationId xmlns:a16="http://schemas.microsoft.com/office/drawing/2014/main" id="{600110F1-E3E7-495C-A0FE-623EC7B7110E}"/>
+              </a:ext>
+            </a:extLst>
+          </p:cNvPr>
+          <p:cNvPicPr>
+            <a:picLocks noChangeAspect="1"/>
+          </p:cNvPicPr>
+          <p:nvPr/>
+        </p:nvPicPr>
+        <p:blipFill>
+          <a:blip r:embed="rId2">
+            <a:extLst>
+              <a:ext uri="{28A0092B-C50C-407E-A947-70E740481C1C}">
+                <a14:useLocalDpi xmlns:a14="http://schemas.microsoft.com/office/drawing/2010/main" val="0"/>
+              </a:ext>
+            </a:extLst>
+          </a:blip>
+          <a:stretch>
+            <a:fillRect/>
+          </a:stretch>
+        </p:blipFill>
+        <p:spPr>
+          <a:xfrm>
+            <a:off x="113015" y="2264230"/>
+            <a:ext cx="4293265" cy="4293265"/>
+          </a:xfrm>
+          <a:prstGeom prst="rect">
+            <a:avLst/>
+          </a:prstGeom>
+        </p:spPr>
+      </p:pic>
+      <p:pic>
+        <p:nvPicPr>
+          <p:cNvPr id="6" name="Picture 5" descr="A close up of a map&#10;&#10;Description automatically generated">
+            <a:extLst>
+              <a:ext uri="{FF2B5EF4-FFF2-40B4-BE49-F238E27FC236}">
+                <a16:creationId xmlns:a16="http://schemas.microsoft.com/office/drawing/2014/main" id="{534B3FBE-A2DC-453E-AE3C-E0750BC3E4E2}"/>
+              </a:ext>
+            </a:extLst>
+          </p:cNvPr>
+          <p:cNvPicPr>
+            <a:picLocks noChangeAspect="1"/>
+          </p:cNvPicPr>
+          <p:nvPr/>
+        </p:nvPicPr>
+        <p:blipFill>
+          <a:blip r:embed="rId3">
+            <a:extLst>
+              <a:ext uri="{28A0092B-C50C-407E-A947-70E740481C1C}">
+                <a14:useLocalDpi xmlns:a14="http://schemas.microsoft.com/office/drawing/2010/main" val="0"/>
+              </a:ext>
+            </a:extLst>
+          </a:blip>
+          <a:stretch>
+            <a:fillRect/>
+          </a:stretch>
+        </p:blipFill>
+        <p:spPr>
+          <a:xfrm>
+            <a:off x="4696627" y="2264230"/>
+            <a:ext cx="4334357" cy="4334357"/>
+          </a:xfrm>
+          <a:prstGeom prst="rect">
+            <a:avLst/>
+          </a:prstGeom>
+        </p:spPr>
+      </p:pic>
+    </p:spTree>
+    <p:extLst>
+      <p:ext uri="{BB962C8B-B14F-4D97-AF65-F5344CB8AC3E}">
+        <p14:creationId xmlns:p14="http://schemas.microsoft.com/office/powerpoint/2010/main" val="1667229653"/>
+      </p:ext>
+    </p:extLst>
+  </p:cSld>
+  <p:clrMapOvr>
+    <a:masterClrMapping/>
+  </p:clrMapOvr>
+</p:sld>
+</file>
+
+<file path=ppt/slides/slide8.xml><?xml version="1.0" encoding="utf-8"?>
+<p:sld xmlns:a="http://schemas.openxmlformats.org/drawingml/2006/main" xmlns:r="http://schemas.openxmlformats.org/officeDocument/2006/relationships" xmlns:p="http://schemas.openxmlformats.org/presentationml/2006/main">
+  <p:cSld>
+    <p:spTree>
+      <p:nvGrpSpPr>
+        <p:cNvPr id="1" name=""/>
+        <p:cNvGrpSpPr/>
+        <p:nvPr/>
+      </p:nvGrpSpPr>
+      <p:grpSpPr>
+        <a:xfrm>
+          <a:off x="0" y="0"/>
+          <a:ext cx="0" cy="0"/>
+          <a:chOff x="0" y="0"/>
+          <a:chExt cx="0" cy="0"/>
+        </a:xfrm>
+      </p:grpSpPr>
+      <p:pic>
+        <p:nvPicPr>
+          <p:cNvPr id="8" name="Picture 7" descr="A screenshot of a social media post&#10;&#10;Description automatically generated">
+            <a:extLst>
+              <a:ext uri="{FF2B5EF4-FFF2-40B4-BE49-F238E27FC236}">
+                <a16:creationId xmlns:a16="http://schemas.microsoft.com/office/drawing/2014/main" id="{C64AFB93-9146-411F-B60B-22FC79F8B088}"/>
+              </a:ext>
+            </a:extLst>
+          </p:cNvPr>
+          <p:cNvPicPr>
+            <a:picLocks noChangeAspect="1"/>
+          </p:cNvPicPr>
+          <p:nvPr/>
+        </p:nvPicPr>
+        <p:blipFill>
+          <a:blip r:embed="rId2">
+            <a:extLst>
+              <a:ext uri="{28A0092B-C50C-407E-A947-70E740481C1C}">
+                <a14:useLocalDpi xmlns:a14="http://schemas.microsoft.com/office/drawing/2010/main" val="0"/>
+              </a:ext>
+            </a:extLst>
+          </a:blip>
+          <a:stretch>
+            <a:fillRect/>
+          </a:stretch>
+        </p:blipFill>
+        <p:spPr>
+          <a:xfrm>
+            <a:off x="3396628" y="491974"/>
+            <a:ext cx="4775445" cy="5874052"/>
+          </a:xfrm>
+          <a:prstGeom prst="rect">
+            <a:avLst/>
+          </a:prstGeom>
+        </p:spPr>
+      </p:pic>
+      <p:sp>
+        <p:nvSpPr>
+          <p:cNvPr id="2" name="Title 1">
+            <a:extLst>
+              <a:ext uri="{FF2B5EF4-FFF2-40B4-BE49-F238E27FC236}">
+                <a16:creationId xmlns:a16="http://schemas.microsoft.com/office/drawing/2014/main" id="{1864FD7E-412E-494C-A636-77821C223280}"/>
+              </a:ext>
+            </a:extLst>
+          </p:cNvPr>
+          <p:cNvSpPr>
+            <a:spLocks noGrp="1"/>
+          </p:cNvSpPr>
+          <p:nvPr>
+            <p:ph type="title"/>
+          </p:nvPr>
+        </p:nvSpPr>
+        <p:spPr>
+          <a:xfrm>
+            <a:off x="0" y="2802358"/>
+            <a:ext cx="2819237" cy="1029903"/>
+          </a:xfrm>
+        </p:spPr>
+        <p:txBody>
+          <a:bodyPr>
+            <a:normAutofit/>
+          </a:bodyPr>
+          <a:lstStyle/>
+          <a:p>
+            <a:pPr algn="ctr"/>
+            <a:r>
+              <a:rPr lang="tr-TR" sz="3600" dirty="0" err="1">
+                <a:solidFill>
+                  <a:srgbClr val="990033"/>
+                </a:solidFill>
+                <a:latin typeface="Times New Roman" panose="02020603050405020304" pitchFamily="18" charset="0"/>
+                <a:cs typeface="Times New Roman" panose="02020603050405020304" pitchFamily="18" charset="0"/>
+              </a:rPr>
+              <a:t>Results</a:t>
+            </a:r>
+            <a:endParaRPr lang="en-US" sz="3600" dirty="0">
+              <a:solidFill>
+                <a:srgbClr val="990033"/>
+              </a:solidFill>
+              <a:latin typeface="Times New Roman" panose="02020603050405020304" pitchFamily="18" charset="0"/>
+              <a:cs typeface="Times New Roman" panose="02020603050405020304" pitchFamily="18" charset="0"/>
+            </a:endParaRPr>
+          </a:p>
+        </p:txBody>
+      </p:sp>
+    </p:spTree>
+    <p:extLst>
+      <p:ext uri="{BB962C8B-B14F-4D97-AF65-F5344CB8AC3E}">
+        <p14:creationId xmlns:p14="http://schemas.microsoft.com/office/powerpoint/2010/main" val="2055066394"/>
+      </p:ext>
+    </p:extLst>
+  </p:cSld>
+  <p:clrMapOvr>
+    <a:masterClrMapping/>
+  </p:clrMapOvr>
+</p:sld>
+</file>
+
 <file path=ppt/theme/theme1.xml><?xml version="1.0" encoding="utf-8"?>
 <a:theme xmlns:a="http://schemas.openxmlformats.org/drawingml/2006/main" name="Office Theme">
   <a:themeElements>
-    <a:clrScheme name="Office">
+    <a:clrScheme name="Office Theme">
       <a:dk1>
         <a:sysClr val="windowText" lastClr="000000"/>
       </a:dk1>
@@ -3506,7 +5478,7 @@
         <a:srgbClr val="954F72"/>
       </a:folHlink>
     </a:clrScheme>
-    <a:fontScheme name="Office">
+    <a:fontScheme name="Office Theme">
       <a:majorFont>
         <a:latin typeface="Calibri Light" panose="020F0302020204030204"/>
         <a:ea typeface=""/>
@@ -3541,23 +5513,6 @@
         <a:font script="Viet" typeface="Times New Roman"/>
         <a:font script="Uigh" typeface="Microsoft Uighur"/>
         <a:font script="Geor" typeface="Sylfaen"/>
-        <a:font script="Armn" typeface="Arial"/>
-        <a:font script="Bugi" typeface="Leelawadee UI"/>
-        <a:font script="Bopo" typeface="Microsoft JhengHei"/>
-        <a:font script="Java" typeface="Javanese Text"/>
-        <a:font script="Lisu" typeface="Segoe UI"/>
-        <a:font script="Mymr" typeface="Myanmar Text"/>
-        <a:font script="Nkoo" typeface="Ebrima"/>
-        <a:font script="Olck" typeface="Nirmala UI"/>
-        <a:font script="Osma" typeface="Ebrima"/>
-        <a:font script="Phag" typeface="Phagspa"/>
-        <a:font script="Syrn" typeface="Estrangelo Edessa"/>
-        <a:font script="Syrj" typeface="Estrangelo Edessa"/>
-        <a:font script="Syre" typeface="Estrangelo Edessa"/>
-        <a:font script="Sora" typeface="Nirmala UI"/>
-        <a:font script="Tale" typeface="Microsoft Tai Le"/>
-        <a:font script="Talu" typeface="Microsoft New Tai Lue"/>
-        <a:font script="Tfng" typeface="Ebrima"/>
       </a:majorFont>
       <a:minorFont>
         <a:latin typeface="Calibri" panose="020F0502020204030204"/>
@@ -3593,26 +5548,9 @@
         <a:font script="Viet" typeface="Arial"/>
         <a:font script="Uigh" typeface="Microsoft Uighur"/>
         <a:font script="Geor" typeface="Sylfaen"/>
-        <a:font script="Armn" typeface="Arial"/>
-        <a:font script="Bugi" typeface="Leelawadee UI"/>
-        <a:font script="Bopo" typeface="Microsoft JhengHei"/>
-        <a:font script="Java" typeface="Javanese Text"/>
-        <a:font script="Lisu" typeface="Segoe UI"/>
-        <a:font script="Mymr" typeface="Myanmar Text"/>
-        <a:font script="Nkoo" typeface="Ebrima"/>
-        <a:font script="Olck" typeface="Nirmala UI"/>
-        <a:font script="Osma" typeface="Ebrima"/>
-        <a:font script="Phag" typeface="Phagspa"/>
-        <a:font script="Syrn" typeface="Estrangelo Edessa"/>
-        <a:font script="Syrj" typeface="Estrangelo Edessa"/>
-        <a:font script="Syre" typeface="Estrangelo Edessa"/>
-        <a:font script="Sora" typeface="Nirmala UI"/>
-        <a:font script="Tale" typeface="Microsoft Tai Le"/>
-        <a:font script="Talu" typeface="Microsoft New Tai Lue"/>
-        <a:font script="Tfng" typeface="Ebrima"/>
       </a:minorFont>
     </a:fontScheme>
-    <a:fmtScheme name="Office">
+    <a:fmtScheme name="Office Theme">
       <a:fillStyleLst>
         <a:solidFill>
           <a:schemeClr val="phClr"/>
